--- a/en/ProgrammingLessons/beginner/Comments.pptx
+++ b/en/ProgrammingLessons/beginner/Comments.pptx
@@ -6,10 +6,10 @@
     <p:sldMasterId id="2147483738" r:id="rId2"/>
   </p:sldMasterIdLst>
   <p:notesMasterIdLst>
-    <p:notesMasterId r:id="rId10"/>
+    <p:notesMasterId r:id="rId11"/>
   </p:notesMasterIdLst>
   <p:handoutMasterIdLst>
-    <p:handoutMasterId r:id="rId11"/>
+    <p:handoutMasterId r:id="rId12"/>
   </p:handoutMasterIdLst>
   <p:sldIdLst>
     <p:sldId id="415" r:id="rId3"/>
@@ -18,7 +18,8 @@
     <p:sldId id="416" r:id="rId6"/>
     <p:sldId id="369" r:id="rId7"/>
     <p:sldId id="417" r:id="rId8"/>
-    <p:sldId id="409" r:id="rId9"/>
+    <p:sldId id="419" r:id="rId9"/>
+    <p:sldId id="409" r:id="rId10"/>
   </p:sldIdLst>
   <p:sldSz cx="9144000" cy="6858000" type="screen4x3"/>
   <p:notesSz cx="6858000" cy="9144000"/>
@@ -218,7 +219,7 @@
           <a:p>
             <a:fld id="{F8D9B3D7-15CB-9343-AA49-EFB5A8F33F18}" type="datetimeFigureOut">
               <a:rPr lang="en-US" smtClean="0"/>
-              <a:t>2/8/17</a:t>
+              <a:t>12/28/19</a:t>
             </a:fld>
             <a:endParaRPr lang="en-US"/>
           </a:p>
@@ -384,7 +385,7 @@
           <a:p>
             <a:fld id="{FD3EFF1E-85A1-6640-AFB9-C38833E80A84}" type="datetimeFigureOut">
               <a:rPr lang="en-US" smtClean="0"/>
-              <a:t>2/8/17</a:t>
+              <a:t>12/28/19</a:t>
             </a:fld>
             <a:endParaRPr lang="en-US"/>
           </a:p>
@@ -885,7 +886,7 @@
           <a:p>
             <a:fld id="{13967457-1E83-1040-AFF7-8D09C473DBD5}" type="slidenum">
               <a:rPr lang="en-US" smtClean="0"/>
-              <a:t>7</a:t>
+              <a:t>8</a:t>
             </a:fld>
             <a:endParaRPr lang="en-US"/>
           </a:p>
@@ -1032,7 +1033,7 @@
           </a:lstStyle>
           <a:p>
             <a:r>
-              <a:rPr lang="en-US" smtClean="0"/>
+              <a:rPr lang="en-US"/>
               <a:t>Click to edit Master subtitle style</a:t>
             </a:r>
             <a:endParaRPr lang="en-US" dirty="0"/>
@@ -1060,8 +1061,8 @@
           <a:lstStyle/>
           <a:p>
             <a:r>
-              <a:rPr lang="de-DE" smtClean="0"/>
-              <a:t>© EV3Lessons.com, 2017 Last Update: (2/08/2017)</a:t>
+              <a:rPr lang="de-DE"/>
+              <a:t>© EV3Lessons.com, 2020 Last Update: (12/28/2019)</a:t>
             </a:r>
             <a:endParaRPr lang="en-US" dirty="0"/>
           </a:p>
@@ -1252,7 +1253,7 @@
           <a:noFill/>
           <a:extLst>
             <a:ext uri="{909E8E84-426E-40dd-AFC4-6F175D3DCCD1}">
-              <a14:hiddenFill xmlns:a14="http://schemas.microsoft.com/office/drawing/2010/main" xmlns="">
+              <a14:hiddenFill xmlns="" xmlns:a14="http://schemas.microsoft.com/office/drawing/2010/main">
                 <a:solidFill>
                   <a:srgbClr val="FFFFFF"/>
                 </a:solidFill>
@@ -1289,10 +1290,9 @@
           <a:p>
             <a:pPr algn="ctr"/>
             <a:r>
-              <a:rPr lang="en-US" sz="3200" dirty="0" smtClean="0"/>
+              <a:rPr lang="en-US" sz="3200" dirty="0"/>
               <a:t>BEGINNER PROGRAMMING LESSON</a:t>
             </a:r>
-            <a:endParaRPr lang="en-US" sz="3200" dirty="0"/>
           </a:p>
         </p:txBody>
       </p:sp>
@@ -1320,11 +1320,11 @@
           <a:p>
             <a:pPr algn="ctr"/>
             <a:r>
-              <a:rPr lang="en-US" dirty="0" smtClean="0"/>
+              <a:rPr lang="en-US" dirty="0"/>
               <a:t>By Sanjay and Arvind </a:t>
             </a:r>
             <a:r>
-              <a:rPr lang="en-US" dirty="0" err="1" smtClean="0"/>
+              <a:rPr lang="en-US" dirty="0" err="1"/>
               <a:t>Seshan</a:t>
             </a:r>
             <a:endParaRPr lang="en-US" dirty="0"/>
@@ -1758,13 +1758,6 @@
   <p:clrMapOvr>
     <a:masterClrMapping/>
   </p:clrMapOvr>
-  <p:timing>
-    <p:tnLst>
-      <p:par>
-        <p:cTn id="1" dur="indefinite" restart="never" nodeType="tmRoot"/>
-      </p:par>
-    </p:tnLst>
-  </p:timing>
 </p:sldLayout>
 </file>
 
@@ -1801,10 +1794,9 @@
           <a:lstStyle/>
           <a:p>
             <a:r>
-              <a:rPr lang="en-US" smtClean="0"/>
+              <a:rPr lang="en-US"/>
               <a:t>Click to edit Master title style</a:t>
             </a:r>
-            <a:endParaRPr lang="en-US"/>
           </a:p>
         </p:txBody>
       </p:sp>
@@ -1825,38 +1817,37 @@
           <a:p>
             <a:pPr lvl="0"/>
             <a:r>
-              <a:rPr lang="en-US" smtClean="0"/>
+              <a:rPr lang="en-US"/>
               <a:t>Click to edit Master text styles</a:t>
             </a:r>
           </a:p>
           <a:p>
             <a:pPr lvl="1"/>
             <a:r>
-              <a:rPr lang="en-US" smtClean="0"/>
+              <a:rPr lang="en-US"/>
               <a:t>Second level</a:t>
             </a:r>
           </a:p>
           <a:p>
             <a:pPr lvl="2"/>
             <a:r>
-              <a:rPr lang="en-US" smtClean="0"/>
+              <a:rPr lang="en-US"/>
               <a:t>Third level</a:t>
             </a:r>
           </a:p>
           <a:p>
             <a:pPr lvl="3"/>
             <a:r>
-              <a:rPr lang="en-US" smtClean="0"/>
+              <a:rPr lang="en-US"/>
               <a:t>Fourth level</a:t>
             </a:r>
           </a:p>
           <a:p>
             <a:pPr lvl="4"/>
             <a:r>
-              <a:rPr lang="en-US" smtClean="0"/>
+              <a:rPr lang="en-US"/>
               <a:t>Fifth level</a:t>
             </a:r>
-            <a:endParaRPr lang="en-US"/>
           </a:p>
         </p:txBody>
       </p:sp>
@@ -1876,8 +1867,8 @@
           <a:lstStyle/>
           <a:p>
             <a:r>
-              <a:rPr lang="de-DE" smtClean="0"/>
-              <a:t>© EV3Lessons.com, 2017 Last Update: (2/08/2017)</a:t>
+              <a:rPr lang="de-DE"/>
+              <a:t>© EV3Lessons.com, 2020 Last Update: (12/28/2019)</a:t>
             </a:r>
             <a:endParaRPr lang="en-US"/>
           </a:p>
@@ -1965,10 +1956,9 @@
           <a:lstStyle/>
           <a:p>
             <a:r>
-              <a:rPr lang="en-US" smtClean="0"/>
+              <a:rPr lang="en-US"/>
               <a:t>Click to edit Master title style</a:t>
             </a:r>
-            <a:endParaRPr lang="en-US"/>
           </a:p>
         </p:txBody>
       </p:sp>
@@ -1994,38 +1984,37 @@
           <a:p>
             <a:pPr lvl="0"/>
             <a:r>
-              <a:rPr lang="en-US" smtClean="0"/>
+              <a:rPr lang="en-US"/>
               <a:t>Click to edit Master text styles</a:t>
             </a:r>
           </a:p>
           <a:p>
             <a:pPr lvl="1"/>
             <a:r>
-              <a:rPr lang="en-US" smtClean="0"/>
+              <a:rPr lang="en-US"/>
               <a:t>Second level</a:t>
             </a:r>
           </a:p>
           <a:p>
             <a:pPr lvl="2"/>
             <a:r>
-              <a:rPr lang="en-US" smtClean="0"/>
+              <a:rPr lang="en-US"/>
               <a:t>Third level</a:t>
             </a:r>
           </a:p>
           <a:p>
             <a:pPr lvl="3"/>
             <a:r>
-              <a:rPr lang="en-US" smtClean="0"/>
+              <a:rPr lang="en-US"/>
               <a:t>Fourth level</a:t>
             </a:r>
           </a:p>
           <a:p>
             <a:pPr lvl="4"/>
             <a:r>
-              <a:rPr lang="en-US" smtClean="0"/>
+              <a:rPr lang="en-US"/>
               <a:t>Fifth level</a:t>
             </a:r>
-            <a:endParaRPr lang="en-US"/>
           </a:p>
         </p:txBody>
       </p:sp>
@@ -2045,8 +2034,8 @@
           <a:lstStyle/>
           <a:p>
             <a:r>
-              <a:rPr lang="de-DE" smtClean="0"/>
-              <a:t>© EV3Lessons.com, 2017 Last Update: (2/08/2017)</a:t>
+              <a:rPr lang="de-DE"/>
+              <a:t>© EV3Lessons.com, 2020 Last Update: (12/28/2019)</a:t>
             </a:r>
             <a:endParaRPr lang="en-US"/>
           </a:p>
@@ -2138,10 +2127,9 @@
           </a:lstStyle>
           <a:p>
             <a:r>
-              <a:rPr lang="en-US" smtClean="0"/>
+              <a:rPr lang="en-US"/>
               <a:t>Click to edit Master title style</a:t>
             </a:r>
-            <a:endParaRPr lang="en-US"/>
           </a:p>
         </p:txBody>
       </p:sp>
@@ -2203,21 +2191,39 @@
           </a:lstStyle>
           <a:p>
             <a:r>
-              <a:rPr lang="en-US" smtClean="0"/>
+              <a:rPr lang="en-US"/>
               <a:t>Click to edit Master subtitle style</a:t>
             </a:r>
+          </a:p>
+        </p:txBody>
+      </p:sp>
+      <p:sp>
+        <p:nvSpPr>
+          <p:cNvPr id="4" name="Date Placeholder 3"/>
+          <p:cNvSpPr>
+            <a:spLocks noGrp="1"/>
+          </p:cNvSpPr>
+          <p:nvPr>
+            <p:ph type="dt" sz="half" idx="10"/>
+          </p:nvPr>
+        </p:nvSpPr>
+        <p:spPr/>
+        <p:txBody>
+          <a:bodyPr/>
+          <a:lstStyle/>
+          <a:p>
             <a:endParaRPr lang="en-US"/>
           </a:p>
         </p:txBody>
       </p:sp>
       <p:sp>
         <p:nvSpPr>
-          <p:cNvPr id="4" name="Date Placeholder 3"/>
-          <p:cNvSpPr>
-            <a:spLocks noGrp="1"/>
-          </p:cNvSpPr>
-          <p:nvPr>
-            <p:ph type="dt" sz="half" idx="10"/>
+          <p:cNvPr id="5" name="Footer Placeholder 4"/>
+          <p:cNvSpPr>
+            <a:spLocks noGrp="1"/>
+          </p:cNvSpPr>
+          <p:nvPr>
+            <p:ph type="ftr" sz="quarter" idx="11"/>
           </p:nvPr>
         </p:nvSpPr>
         <p:spPr/>
@@ -2225,28 +2231,9 @@
           <a:bodyPr/>
           <a:lstStyle/>
           <a:p>
-            <a:endParaRPr lang="en-US"/>
-          </a:p>
-        </p:txBody>
-      </p:sp>
-      <p:sp>
-        <p:nvSpPr>
-          <p:cNvPr id="5" name="Footer Placeholder 4"/>
-          <p:cNvSpPr>
-            <a:spLocks noGrp="1"/>
-          </p:cNvSpPr>
-          <p:nvPr>
-            <p:ph type="ftr" sz="quarter" idx="11"/>
-          </p:nvPr>
-        </p:nvSpPr>
-        <p:spPr/>
-        <p:txBody>
-          <a:bodyPr/>
-          <a:lstStyle/>
-          <a:p>
-            <a:r>
-              <a:rPr lang="de-DE" smtClean="0"/>
-              <a:t>© EV3Lessons.com, 2017 Last Update: (2/08/2017)</a:t>
+            <a:r>
+              <a:rPr lang="de-DE"/>
+              <a:t>© EV3Lessons.com, 2020 Last Update: (12/28/2019)</a:t>
             </a:r>
             <a:endParaRPr lang="en-US"/>
           </a:p>
@@ -2321,21 +2308,90 @@
           <a:lstStyle/>
           <a:p>
             <a:r>
-              <a:rPr lang="en-US" smtClean="0"/>
+              <a:rPr lang="en-US"/>
               <a:t>Click to edit Master title style</a:t>
             </a:r>
+          </a:p>
+        </p:txBody>
+      </p:sp>
+      <p:sp>
+        <p:nvSpPr>
+          <p:cNvPr id="3" name="Content Placeholder 2"/>
+          <p:cNvSpPr>
+            <a:spLocks noGrp="1"/>
+          </p:cNvSpPr>
+          <p:nvPr>
+            <p:ph idx="1"/>
+          </p:nvPr>
+        </p:nvSpPr>
+        <p:spPr/>
+        <p:txBody>
+          <a:bodyPr/>
+          <a:lstStyle/>
+          <a:p>
+            <a:pPr lvl="0"/>
+            <a:r>
+              <a:rPr lang="en-US"/>
+              <a:t>Click to edit Master text styles</a:t>
+            </a:r>
+          </a:p>
+          <a:p>
+            <a:pPr lvl="1"/>
+            <a:r>
+              <a:rPr lang="en-US"/>
+              <a:t>Second level</a:t>
+            </a:r>
+          </a:p>
+          <a:p>
+            <a:pPr lvl="2"/>
+            <a:r>
+              <a:rPr lang="en-US"/>
+              <a:t>Third level</a:t>
+            </a:r>
+          </a:p>
+          <a:p>
+            <a:pPr lvl="3"/>
+            <a:r>
+              <a:rPr lang="en-US"/>
+              <a:t>Fourth level</a:t>
+            </a:r>
+          </a:p>
+          <a:p>
+            <a:pPr lvl="4"/>
+            <a:r>
+              <a:rPr lang="en-US"/>
+              <a:t>Fifth level</a:t>
+            </a:r>
+          </a:p>
+        </p:txBody>
+      </p:sp>
+      <p:sp>
+        <p:nvSpPr>
+          <p:cNvPr id="4" name="Date Placeholder 3"/>
+          <p:cNvSpPr>
+            <a:spLocks noGrp="1"/>
+          </p:cNvSpPr>
+          <p:nvPr>
+            <p:ph type="dt" sz="half" idx="10"/>
+          </p:nvPr>
+        </p:nvSpPr>
+        <p:spPr/>
+        <p:txBody>
+          <a:bodyPr/>
+          <a:lstStyle/>
+          <a:p>
             <a:endParaRPr lang="en-US"/>
           </a:p>
         </p:txBody>
       </p:sp>
       <p:sp>
         <p:nvSpPr>
-          <p:cNvPr id="3" name="Content Placeholder 2"/>
-          <p:cNvSpPr>
-            <a:spLocks noGrp="1"/>
-          </p:cNvSpPr>
-          <p:nvPr>
-            <p:ph idx="1"/>
+          <p:cNvPr id="5" name="Footer Placeholder 4"/>
+          <p:cNvSpPr>
+            <a:spLocks noGrp="1"/>
+          </p:cNvSpPr>
+          <p:nvPr>
+            <p:ph type="ftr" sz="quarter" idx="11"/>
           </p:nvPr>
         </p:nvSpPr>
         <p:spPr/>
@@ -2343,80 +2399,9 @@
           <a:bodyPr/>
           <a:lstStyle/>
           <a:p>
-            <a:pPr lvl="0"/>
-            <a:r>
-              <a:rPr lang="en-US" smtClean="0"/>
-              <a:t>Click to edit Master text styles</a:t>
-            </a:r>
-          </a:p>
-          <a:p>
-            <a:pPr lvl="1"/>
-            <a:r>
-              <a:rPr lang="en-US" smtClean="0"/>
-              <a:t>Second level</a:t>
-            </a:r>
-          </a:p>
-          <a:p>
-            <a:pPr lvl="2"/>
-            <a:r>
-              <a:rPr lang="en-US" smtClean="0"/>
-              <a:t>Third level</a:t>
-            </a:r>
-          </a:p>
-          <a:p>
-            <a:pPr lvl="3"/>
-            <a:r>
-              <a:rPr lang="en-US" smtClean="0"/>
-              <a:t>Fourth level</a:t>
-            </a:r>
-          </a:p>
-          <a:p>
-            <a:pPr lvl="4"/>
-            <a:r>
-              <a:rPr lang="en-US" smtClean="0"/>
-              <a:t>Fifth level</a:t>
-            </a:r>
-            <a:endParaRPr lang="en-US"/>
-          </a:p>
-        </p:txBody>
-      </p:sp>
-      <p:sp>
-        <p:nvSpPr>
-          <p:cNvPr id="4" name="Date Placeholder 3"/>
-          <p:cNvSpPr>
-            <a:spLocks noGrp="1"/>
-          </p:cNvSpPr>
-          <p:nvPr>
-            <p:ph type="dt" sz="half" idx="10"/>
-          </p:nvPr>
-        </p:nvSpPr>
-        <p:spPr/>
-        <p:txBody>
-          <a:bodyPr/>
-          <a:lstStyle/>
-          <a:p>
-            <a:endParaRPr lang="en-US"/>
-          </a:p>
-        </p:txBody>
-      </p:sp>
-      <p:sp>
-        <p:nvSpPr>
-          <p:cNvPr id="5" name="Footer Placeholder 4"/>
-          <p:cNvSpPr>
-            <a:spLocks noGrp="1"/>
-          </p:cNvSpPr>
-          <p:nvPr>
-            <p:ph type="ftr" sz="quarter" idx="11"/>
-          </p:nvPr>
-        </p:nvSpPr>
-        <p:spPr/>
-        <p:txBody>
-          <a:bodyPr/>
-          <a:lstStyle/>
-          <a:p>
-            <a:r>
-              <a:rPr lang="de-DE" smtClean="0"/>
-              <a:t>© EV3Lessons.com, 2017 Last Update: (2/08/2017)</a:t>
+            <a:r>
+              <a:rPr lang="de-DE"/>
+              <a:t>© EV3Lessons.com, 2020 Last Update: (12/28/2019)</a:t>
             </a:r>
             <a:endParaRPr lang="en-US"/>
           </a:p>
@@ -2500,10 +2485,9 @@
           </a:lstStyle>
           <a:p>
             <a:r>
-              <a:rPr lang="en-US" smtClean="0"/>
+              <a:rPr lang="en-US"/>
               <a:t>Click to edit Master title style</a:t>
             </a:r>
-            <a:endParaRPr lang="en-US"/>
           </a:p>
         </p:txBody>
       </p:sp>
@@ -2620,7 +2604,7 @@
           <a:p>
             <a:pPr lvl="0"/>
             <a:r>
-              <a:rPr lang="en-US" smtClean="0"/>
+              <a:rPr lang="en-US"/>
               <a:t>Click to edit Master text styles</a:t>
             </a:r>
           </a:p>
@@ -2661,8 +2645,8 @@
           <a:lstStyle/>
           <a:p>
             <a:r>
-              <a:rPr lang="de-DE" smtClean="0"/>
-              <a:t>© EV3Lessons.com, 2017 Last Update: (2/08/2017)</a:t>
+              <a:rPr lang="de-DE"/>
+              <a:t>© EV3Lessons.com, 2020 Last Update: (12/28/2019)</a:t>
             </a:r>
             <a:endParaRPr lang="en-US"/>
           </a:p>
@@ -2737,10 +2721,9 @@
           <a:lstStyle/>
           <a:p>
             <a:r>
-              <a:rPr lang="en-US" smtClean="0"/>
+              <a:rPr lang="en-US"/>
               <a:t>Click to edit Master title style</a:t>
             </a:r>
-            <a:endParaRPr lang="en-US"/>
           </a:p>
         </p:txBody>
       </p:sp>
@@ -2766,38 +2749,37 @@
           <a:p>
             <a:pPr lvl="0"/>
             <a:r>
-              <a:rPr lang="en-US" smtClean="0"/>
+              <a:rPr lang="en-US"/>
               <a:t>Click to edit Master text styles</a:t>
             </a:r>
           </a:p>
           <a:p>
             <a:pPr lvl="1"/>
             <a:r>
-              <a:rPr lang="en-US" smtClean="0"/>
+              <a:rPr lang="en-US"/>
               <a:t>Second level</a:t>
             </a:r>
           </a:p>
           <a:p>
             <a:pPr lvl="2"/>
             <a:r>
-              <a:rPr lang="en-US" smtClean="0"/>
+              <a:rPr lang="en-US"/>
               <a:t>Third level</a:t>
             </a:r>
           </a:p>
           <a:p>
             <a:pPr lvl="3"/>
             <a:r>
-              <a:rPr lang="en-US" smtClean="0"/>
+              <a:rPr lang="en-US"/>
               <a:t>Fourth level</a:t>
             </a:r>
           </a:p>
           <a:p>
             <a:pPr lvl="4"/>
             <a:r>
-              <a:rPr lang="en-US" smtClean="0"/>
+              <a:rPr lang="en-US"/>
               <a:t>Fifth level</a:t>
             </a:r>
-            <a:endParaRPr lang="en-US"/>
           </a:p>
         </p:txBody>
       </p:sp>
@@ -2823,49 +2805,67 @@
           <a:p>
             <a:pPr lvl="0"/>
             <a:r>
-              <a:rPr lang="en-US" smtClean="0"/>
+              <a:rPr lang="en-US"/>
               <a:t>Click to edit Master text styles</a:t>
             </a:r>
           </a:p>
           <a:p>
             <a:pPr lvl="1"/>
             <a:r>
-              <a:rPr lang="en-US" smtClean="0"/>
+              <a:rPr lang="en-US"/>
               <a:t>Second level</a:t>
             </a:r>
           </a:p>
           <a:p>
             <a:pPr lvl="2"/>
             <a:r>
-              <a:rPr lang="en-US" smtClean="0"/>
+              <a:rPr lang="en-US"/>
               <a:t>Third level</a:t>
             </a:r>
           </a:p>
           <a:p>
             <a:pPr lvl="3"/>
             <a:r>
-              <a:rPr lang="en-US" smtClean="0"/>
+              <a:rPr lang="en-US"/>
               <a:t>Fourth level</a:t>
             </a:r>
           </a:p>
           <a:p>
             <a:pPr lvl="4"/>
             <a:r>
-              <a:rPr lang="en-US" smtClean="0"/>
+              <a:rPr lang="en-US"/>
               <a:t>Fifth level</a:t>
             </a:r>
+          </a:p>
+        </p:txBody>
+      </p:sp>
+      <p:sp>
+        <p:nvSpPr>
+          <p:cNvPr id="5" name="Date Placeholder 4"/>
+          <p:cNvSpPr>
+            <a:spLocks noGrp="1"/>
+          </p:cNvSpPr>
+          <p:nvPr>
+            <p:ph type="dt" sz="half" idx="10"/>
+          </p:nvPr>
+        </p:nvSpPr>
+        <p:spPr/>
+        <p:txBody>
+          <a:bodyPr/>
+          <a:lstStyle/>
+          <a:p>
             <a:endParaRPr lang="en-US"/>
           </a:p>
         </p:txBody>
       </p:sp>
       <p:sp>
         <p:nvSpPr>
-          <p:cNvPr id="5" name="Date Placeholder 4"/>
-          <p:cNvSpPr>
-            <a:spLocks noGrp="1"/>
-          </p:cNvSpPr>
-          <p:nvPr>
-            <p:ph type="dt" sz="half" idx="10"/>
+          <p:cNvPr id="6" name="Footer Placeholder 5"/>
+          <p:cNvSpPr>
+            <a:spLocks noGrp="1"/>
+          </p:cNvSpPr>
+          <p:nvPr>
+            <p:ph type="ftr" sz="quarter" idx="11"/>
           </p:nvPr>
         </p:nvSpPr>
         <p:spPr/>
@@ -2873,28 +2873,9 @@
           <a:bodyPr/>
           <a:lstStyle/>
           <a:p>
-            <a:endParaRPr lang="en-US"/>
-          </a:p>
-        </p:txBody>
-      </p:sp>
-      <p:sp>
-        <p:nvSpPr>
-          <p:cNvPr id="6" name="Footer Placeholder 5"/>
-          <p:cNvSpPr>
-            <a:spLocks noGrp="1"/>
-          </p:cNvSpPr>
-          <p:nvPr>
-            <p:ph type="ftr" sz="quarter" idx="11"/>
-          </p:nvPr>
-        </p:nvSpPr>
-        <p:spPr/>
-        <p:txBody>
-          <a:bodyPr/>
-          <a:lstStyle/>
-          <a:p>
-            <a:r>
-              <a:rPr lang="de-DE" smtClean="0"/>
-              <a:t>© EV3Lessons.com, 2017 Last Update: (2/08/2017)</a:t>
+            <a:r>
+              <a:rPr lang="de-DE"/>
+              <a:t>© EV3Lessons.com, 2020 Last Update: (12/28/2019)</a:t>
             </a:r>
             <a:endParaRPr lang="en-US"/>
           </a:p>
@@ -2974,10 +2955,9 @@
           <a:lstStyle/>
           <a:p>
             <a:r>
-              <a:rPr lang="en-US" smtClean="0"/>
+              <a:rPr lang="en-US"/>
               <a:t>Click to edit Master title style</a:t>
             </a:r>
-            <a:endParaRPr lang="en-US"/>
           </a:p>
         </p:txBody>
       </p:sp>
@@ -3040,7 +3020,7 @@
           <a:p>
             <a:pPr lvl="0"/>
             <a:r>
-              <a:rPr lang="en-US" smtClean="0"/>
+              <a:rPr lang="en-US"/>
               <a:t>Click to edit Master text styles</a:t>
             </a:r>
           </a:p>
@@ -3068,38 +3048,37 @@
           <a:p>
             <a:pPr lvl="0"/>
             <a:r>
-              <a:rPr lang="en-US" smtClean="0"/>
+              <a:rPr lang="en-US"/>
               <a:t>Click to edit Master text styles</a:t>
             </a:r>
           </a:p>
           <a:p>
             <a:pPr lvl="1"/>
             <a:r>
-              <a:rPr lang="en-US" smtClean="0"/>
+              <a:rPr lang="en-US"/>
               <a:t>Second level</a:t>
             </a:r>
           </a:p>
           <a:p>
             <a:pPr lvl="2"/>
             <a:r>
-              <a:rPr lang="en-US" smtClean="0"/>
+              <a:rPr lang="en-US"/>
               <a:t>Third level</a:t>
             </a:r>
           </a:p>
           <a:p>
             <a:pPr lvl="3"/>
             <a:r>
-              <a:rPr lang="en-US" smtClean="0"/>
+              <a:rPr lang="en-US"/>
               <a:t>Fourth level</a:t>
             </a:r>
           </a:p>
           <a:p>
             <a:pPr lvl="4"/>
             <a:r>
-              <a:rPr lang="en-US" smtClean="0"/>
+              <a:rPr lang="en-US"/>
               <a:t>Fifth level</a:t>
             </a:r>
-            <a:endParaRPr lang="en-US"/>
           </a:p>
         </p:txBody>
       </p:sp>
@@ -3162,7 +3141,7 @@
           <a:p>
             <a:pPr lvl="0"/>
             <a:r>
-              <a:rPr lang="en-US" smtClean="0"/>
+              <a:rPr lang="en-US"/>
               <a:t>Click to edit Master text styles</a:t>
             </a:r>
           </a:p>
@@ -3190,49 +3169,67 @@
           <a:p>
             <a:pPr lvl="0"/>
             <a:r>
-              <a:rPr lang="en-US" smtClean="0"/>
+              <a:rPr lang="en-US"/>
               <a:t>Click to edit Master text styles</a:t>
             </a:r>
           </a:p>
           <a:p>
             <a:pPr lvl="1"/>
             <a:r>
-              <a:rPr lang="en-US" smtClean="0"/>
+              <a:rPr lang="en-US"/>
               <a:t>Second level</a:t>
             </a:r>
           </a:p>
           <a:p>
             <a:pPr lvl="2"/>
             <a:r>
-              <a:rPr lang="en-US" smtClean="0"/>
+              <a:rPr lang="en-US"/>
               <a:t>Third level</a:t>
             </a:r>
           </a:p>
           <a:p>
             <a:pPr lvl="3"/>
             <a:r>
-              <a:rPr lang="en-US" smtClean="0"/>
+              <a:rPr lang="en-US"/>
               <a:t>Fourth level</a:t>
             </a:r>
           </a:p>
           <a:p>
             <a:pPr lvl="4"/>
             <a:r>
-              <a:rPr lang="en-US" smtClean="0"/>
+              <a:rPr lang="en-US"/>
               <a:t>Fifth level</a:t>
             </a:r>
+          </a:p>
+        </p:txBody>
+      </p:sp>
+      <p:sp>
+        <p:nvSpPr>
+          <p:cNvPr id="7" name="Date Placeholder 6"/>
+          <p:cNvSpPr>
+            <a:spLocks noGrp="1"/>
+          </p:cNvSpPr>
+          <p:nvPr>
+            <p:ph type="dt" sz="half" idx="10"/>
+          </p:nvPr>
+        </p:nvSpPr>
+        <p:spPr/>
+        <p:txBody>
+          <a:bodyPr/>
+          <a:lstStyle/>
+          <a:p>
             <a:endParaRPr lang="en-US"/>
           </a:p>
         </p:txBody>
       </p:sp>
       <p:sp>
         <p:nvSpPr>
-          <p:cNvPr id="7" name="Date Placeholder 6"/>
-          <p:cNvSpPr>
-            <a:spLocks noGrp="1"/>
-          </p:cNvSpPr>
-          <p:nvPr>
-            <p:ph type="dt" sz="half" idx="10"/>
+          <p:cNvPr id="8" name="Footer Placeholder 7"/>
+          <p:cNvSpPr>
+            <a:spLocks noGrp="1"/>
+          </p:cNvSpPr>
+          <p:nvPr>
+            <p:ph type="ftr" sz="quarter" idx="11"/>
           </p:nvPr>
         </p:nvSpPr>
         <p:spPr/>
@@ -3240,28 +3237,9 @@
           <a:bodyPr/>
           <a:lstStyle/>
           <a:p>
-            <a:endParaRPr lang="en-US"/>
-          </a:p>
-        </p:txBody>
-      </p:sp>
-      <p:sp>
-        <p:nvSpPr>
-          <p:cNvPr id="8" name="Footer Placeholder 7"/>
-          <p:cNvSpPr>
-            <a:spLocks noGrp="1"/>
-          </p:cNvSpPr>
-          <p:nvPr>
-            <p:ph type="ftr" sz="quarter" idx="11"/>
-          </p:nvPr>
-        </p:nvSpPr>
-        <p:spPr/>
-        <p:txBody>
-          <a:bodyPr/>
-          <a:lstStyle/>
-          <a:p>
-            <a:r>
-              <a:rPr lang="de-DE" smtClean="0"/>
-              <a:t>© EV3Lessons.com, 2017 Last Update: (2/08/2017)</a:t>
+            <a:r>
+              <a:rPr lang="de-DE"/>
+              <a:t>© EV3Lessons.com, 2020 Last Update: (12/28/2019)</a:t>
             </a:r>
             <a:endParaRPr lang="en-US"/>
           </a:p>
@@ -3336,21 +3314,39 @@
           <a:lstStyle/>
           <a:p>
             <a:r>
-              <a:rPr lang="en-US" smtClean="0"/>
+              <a:rPr lang="en-US"/>
               <a:t>Click to edit Master title style</a:t>
             </a:r>
+          </a:p>
+        </p:txBody>
+      </p:sp>
+      <p:sp>
+        <p:nvSpPr>
+          <p:cNvPr id="3" name="Date Placeholder 2"/>
+          <p:cNvSpPr>
+            <a:spLocks noGrp="1"/>
+          </p:cNvSpPr>
+          <p:nvPr>
+            <p:ph type="dt" sz="half" idx="10"/>
+          </p:nvPr>
+        </p:nvSpPr>
+        <p:spPr/>
+        <p:txBody>
+          <a:bodyPr/>
+          <a:lstStyle/>
+          <a:p>
             <a:endParaRPr lang="en-US"/>
           </a:p>
         </p:txBody>
       </p:sp>
       <p:sp>
         <p:nvSpPr>
-          <p:cNvPr id="3" name="Date Placeholder 2"/>
-          <p:cNvSpPr>
-            <a:spLocks noGrp="1"/>
-          </p:cNvSpPr>
-          <p:nvPr>
-            <p:ph type="dt" sz="half" idx="10"/>
+          <p:cNvPr id="4" name="Footer Placeholder 3"/>
+          <p:cNvSpPr>
+            <a:spLocks noGrp="1"/>
+          </p:cNvSpPr>
+          <p:nvPr>
+            <p:ph type="ftr" sz="quarter" idx="11"/>
           </p:nvPr>
         </p:nvSpPr>
         <p:spPr/>
@@ -3358,28 +3354,9 @@
           <a:bodyPr/>
           <a:lstStyle/>
           <a:p>
-            <a:endParaRPr lang="en-US"/>
-          </a:p>
-        </p:txBody>
-      </p:sp>
-      <p:sp>
-        <p:nvSpPr>
-          <p:cNvPr id="4" name="Footer Placeholder 3"/>
-          <p:cNvSpPr>
-            <a:spLocks noGrp="1"/>
-          </p:cNvSpPr>
-          <p:nvPr>
-            <p:ph type="ftr" sz="quarter" idx="11"/>
-          </p:nvPr>
-        </p:nvSpPr>
-        <p:spPr/>
-        <p:txBody>
-          <a:bodyPr/>
-          <a:lstStyle/>
-          <a:p>
-            <a:r>
-              <a:rPr lang="de-DE" smtClean="0"/>
-              <a:t>© EV3Lessons.com, 2017 Last Update: (2/08/2017)</a:t>
+            <a:r>
+              <a:rPr lang="de-DE"/>
+              <a:t>© EV3Lessons.com, 2020 Last Update: (12/28/2019)</a:t>
             </a:r>
             <a:endParaRPr lang="en-US"/>
           </a:p>
@@ -3473,8 +3450,8 @@
           <a:lstStyle/>
           <a:p>
             <a:r>
-              <a:rPr lang="de-DE" smtClean="0"/>
-              <a:t>© EV3Lessons.com, 2017 Last Update: (2/08/2017)</a:t>
+              <a:rPr lang="de-DE"/>
+              <a:t>© EV3Lessons.com, 2020 Last Update: (12/28/2019)</a:t>
             </a:r>
             <a:endParaRPr lang="en-US"/>
           </a:p>
@@ -3558,10 +3535,9 @@
           </a:lstStyle>
           <a:p>
             <a:r>
-              <a:rPr lang="en-US" smtClean="0"/>
+              <a:rPr lang="en-US"/>
               <a:t>Click to edit Master title style</a:t>
             </a:r>
-            <a:endParaRPr lang="en-US"/>
           </a:p>
         </p:txBody>
       </p:sp>
@@ -3615,38 +3591,37 @@
           <a:p>
             <a:pPr lvl="0"/>
             <a:r>
-              <a:rPr lang="en-US" smtClean="0"/>
+              <a:rPr lang="en-US"/>
               <a:t>Click to edit Master text styles</a:t>
             </a:r>
           </a:p>
           <a:p>
             <a:pPr lvl="1"/>
             <a:r>
-              <a:rPr lang="en-US" smtClean="0"/>
+              <a:rPr lang="en-US"/>
               <a:t>Second level</a:t>
             </a:r>
           </a:p>
           <a:p>
             <a:pPr lvl="2"/>
             <a:r>
-              <a:rPr lang="en-US" smtClean="0"/>
+              <a:rPr lang="en-US"/>
               <a:t>Third level</a:t>
             </a:r>
           </a:p>
           <a:p>
             <a:pPr lvl="3"/>
             <a:r>
-              <a:rPr lang="en-US" smtClean="0"/>
+              <a:rPr lang="en-US"/>
               <a:t>Fourth level</a:t>
             </a:r>
           </a:p>
           <a:p>
             <a:pPr lvl="4"/>
             <a:r>
-              <a:rPr lang="en-US" smtClean="0"/>
+              <a:rPr lang="en-US"/>
               <a:t>Fifth level</a:t>
             </a:r>
-            <a:endParaRPr lang="en-US"/>
           </a:p>
         </p:txBody>
       </p:sp>
@@ -3709,7 +3684,7 @@
           <a:p>
             <a:pPr lvl="0"/>
             <a:r>
-              <a:rPr lang="en-US" smtClean="0"/>
+              <a:rPr lang="en-US"/>
               <a:t>Click to edit Master text styles</a:t>
             </a:r>
           </a:p>
@@ -3750,8 +3725,8 @@
           <a:lstStyle/>
           <a:p>
             <a:r>
-              <a:rPr lang="de-DE" smtClean="0"/>
-              <a:t>© EV3Lessons.com, 2017 Last Update: (2/08/2017)</a:t>
+              <a:rPr lang="de-DE"/>
+              <a:t>© EV3Lessons.com, 2020 Last Update: (12/28/2019)</a:t>
             </a:r>
             <a:endParaRPr lang="en-US"/>
           </a:p>
@@ -3831,10 +3806,9 @@
           <a:lstStyle/>
           <a:p>
             <a:r>
-              <a:rPr lang="en-US" smtClean="0"/>
+              <a:rPr lang="en-US"/>
               <a:t>Click to edit Master title style</a:t>
             </a:r>
-            <a:endParaRPr lang="en-US"/>
           </a:p>
         </p:txBody>
       </p:sp>
@@ -3860,35 +3834,35 @@
           <a:p>
             <a:pPr lvl="0"/>
             <a:r>
-              <a:rPr lang="en-US" smtClean="0"/>
+              <a:rPr lang="en-US"/>
               <a:t>Click to edit Master text styles</a:t>
             </a:r>
           </a:p>
           <a:p>
             <a:pPr lvl="1"/>
             <a:r>
-              <a:rPr lang="en-US" smtClean="0"/>
+              <a:rPr lang="en-US"/>
               <a:t>Second level</a:t>
             </a:r>
           </a:p>
           <a:p>
             <a:pPr lvl="2"/>
             <a:r>
-              <a:rPr lang="en-US" smtClean="0"/>
+              <a:rPr lang="en-US"/>
               <a:t>Third level</a:t>
             </a:r>
           </a:p>
           <a:p>
             <a:pPr lvl="3"/>
             <a:r>
-              <a:rPr lang="en-US" smtClean="0"/>
+              <a:rPr lang="en-US"/>
               <a:t>Fourth level</a:t>
             </a:r>
           </a:p>
           <a:p>
             <a:pPr lvl="4"/>
             <a:r>
-              <a:rPr lang="en-US" smtClean="0"/>
+              <a:rPr lang="en-US"/>
               <a:t>Fifth level</a:t>
             </a:r>
             <a:endParaRPr lang="en-US" dirty="0"/>
@@ -3911,8 +3885,8 @@
           <a:lstStyle/>
           <a:p>
             <a:r>
-              <a:rPr lang="de-DE" smtClean="0"/>
-              <a:t>© EV3Lessons.com, 2017 Last Update: (2/08/2017)</a:t>
+              <a:rPr lang="de-DE"/>
+              <a:t>© EV3Lessons.com, 2020 Last Update: (12/28/2019)</a:t>
             </a:r>
             <a:endParaRPr lang="en-US" dirty="0"/>
           </a:p>
@@ -3959,13 +3933,6 @@
   <p:clrMapOvr>
     <a:masterClrMapping/>
   </p:clrMapOvr>
-  <p:timing>
-    <p:tnLst>
-      <p:par>
-        <p:cTn id="1" dur="indefinite" restart="never" nodeType="tmRoot"/>
-      </p:par>
-    </p:tnLst>
-  </p:timing>
 </p:sldLayout>
 </file>
 
@@ -4011,10 +3978,9 @@
           </a:lstStyle>
           <a:p>
             <a:r>
-              <a:rPr lang="en-US" smtClean="0"/>
+              <a:rPr lang="en-US"/>
               <a:t>Click to edit Master title style</a:t>
             </a:r>
-            <a:endParaRPr lang="en-US"/>
           </a:p>
         </p:txBody>
       </p:sp>
@@ -4076,10 +4042,9 @@
           </a:lstStyle>
           <a:p>
             <a:r>
-              <a:rPr lang="en-US" smtClean="0"/>
+              <a:rPr lang="en-US"/>
               <a:t>Drag picture to placeholder or click icon to add</a:t>
             </a:r>
-            <a:endParaRPr lang="en-US"/>
           </a:p>
         </p:txBody>
       </p:sp>
@@ -4142,7 +4107,7 @@
           <a:p>
             <a:pPr lvl="0"/>
             <a:r>
-              <a:rPr lang="en-US" smtClean="0"/>
+              <a:rPr lang="en-US"/>
               <a:t>Click to edit Master text styles</a:t>
             </a:r>
           </a:p>
@@ -4183,8 +4148,8 @@
           <a:lstStyle/>
           <a:p>
             <a:r>
-              <a:rPr lang="de-DE" smtClean="0"/>
-              <a:t>© EV3Lessons.com, 2017 Last Update: (2/08/2017)</a:t>
+              <a:rPr lang="de-DE"/>
+              <a:t>© EV3Lessons.com, 2020 Last Update: (12/28/2019)</a:t>
             </a:r>
             <a:endParaRPr lang="en-US"/>
           </a:p>
@@ -4259,102 +4224,100 @@
           <a:lstStyle/>
           <a:p>
             <a:r>
-              <a:rPr lang="en-US" smtClean="0"/>
+              <a:rPr lang="en-US"/>
               <a:t>Click to edit Master title style</a:t>
             </a:r>
+          </a:p>
+        </p:txBody>
+      </p:sp>
+      <p:sp>
+        <p:nvSpPr>
+          <p:cNvPr id="3" name="Vertical Text Placeholder 2"/>
+          <p:cNvSpPr>
+            <a:spLocks noGrp="1"/>
+          </p:cNvSpPr>
+          <p:nvPr>
+            <p:ph type="body" orient="vert" idx="1"/>
+          </p:nvPr>
+        </p:nvSpPr>
+        <p:spPr/>
+        <p:txBody>
+          <a:bodyPr vert="eaVert"/>
+          <a:lstStyle/>
+          <a:p>
+            <a:pPr lvl="0"/>
+            <a:r>
+              <a:rPr lang="en-US"/>
+              <a:t>Click to edit Master text styles</a:t>
+            </a:r>
+          </a:p>
+          <a:p>
+            <a:pPr lvl="1"/>
+            <a:r>
+              <a:rPr lang="en-US"/>
+              <a:t>Second level</a:t>
+            </a:r>
+          </a:p>
+          <a:p>
+            <a:pPr lvl="2"/>
+            <a:r>
+              <a:rPr lang="en-US"/>
+              <a:t>Third level</a:t>
+            </a:r>
+          </a:p>
+          <a:p>
+            <a:pPr lvl="3"/>
+            <a:r>
+              <a:rPr lang="en-US"/>
+              <a:t>Fourth level</a:t>
+            </a:r>
+          </a:p>
+          <a:p>
+            <a:pPr lvl="4"/>
+            <a:r>
+              <a:rPr lang="en-US"/>
+              <a:t>Fifth level</a:t>
+            </a:r>
+          </a:p>
+        </p:txBody>
+      </p:sp>
+      <p:sp>
+        <p:nvSpPr>
+          <p:cNvPr id="4" name="Date Placeholder 3"/>
+          <p:cNvSpPr>
+            <a:spLocks noGrp="1"/>
+          </p:cNvSpPr>
+          <p:nvPr>
+            <p:ph type="dt" sz="half" idx="10"/>
+          </p:nvPr>
+        </p:nvSpPr>
+        <p:spPr/>
+        <p:txBody>
+          <a:bodyPr/>
+          <a:lstStyle/>
+          <a:p>
             <a:endParaRPr lang="en-US"/>
           </a:p>
         </p:txBody>
       </p:sp>
       <p:sp>
         <p:nvSpPr>
-          <p:cNvPr id="3" name="Vertical Text Placeholder 2"/>
-          <p:cNvSpPr>
-            <a:spLocks noGrp="1"/>
-          </p:cNvSpPr>
-          <p:nvPr>
-            <p:ph type="body" orient="vert" idx="1"/>
+          <p:cNvPr id="5" name="Footer Placeholder 4"/>
+          <p:cNvSpPr>
+            <a:spLocks noGrp="1"/>
+          </p:cNvSpPr>
+          <p:nvPr>
+            <p:ph type="ftr" sz="quarter" idx="11"/>
           </p:nvPr>
         </p:nvSpPr>
         <p:spPr/>
         <p:txBody>
-          <a:bodyPr vert="eaVert"/>
-          <a:lstStyle/>
-          <a:p>
-            <a:pPr lvl="0"/>
-            <a:r>
-              <a:rPr lang="en-US" smtClean="0"/>
-              <a:t>Click to edit Master text styles</a:t>
-            </a:r>
-          </a:p>
-          <a:p>
-            <a:pPr lvl="1"/>
-            <a:r>
-              <a:rPr lang="en-US" smtClean="0"/>
-              <a:t>Second level</a:t>
-            </a:r>
-          </a:p>
-          <a:p>
-            <a:pPr lvl="2"/>
-            <a:r>
-              <a:rPr lang="en-US" smtClean="0"/>
-              <a:t>Third level</a:t>
-            </a:r>
-          </a:p>
-          <a:p>
-            <a:pPr lvl="3"/>
-            <a:r>
-              <a:rPr lang="en-US" smtClean="0"/>
-              <a:t>Fourth level</a:t>
-            </a:r>
-          </a:p>
-          <a:p>
-            <a:pPr lvl="4"/>
-            <a:r>
-              <a:rPr lang="en-US" smtClean="0"/>
-              <a:t>Fifth level</a:t>
-            </a:r>
-            <a:endParaRPr lang="en-US"/>
-          </a:p>
-        </p:txBody>
-      </p:sp>
-      <p:sp>
-        <p:nvSpPr>
-          <p:cNvPr id="4" name="Date Placeholder 3"/>
-          <p:cNvSpPr>
-            <a:spLocks noGrp="1"/>
-          </p:cNvSpPr>
-          <p:nvPr>
-            <p:ph type="dt" sz="half" idx="10"/>
-          </p:nvPr>
-        </p:nvSpPr>
-        <p:spPr/>
-        <p:txBody>
-          <a:bodyPr/>
-          <a:lstStyle/>
-          <a:p>
-            <a:endParaRPr lang="en-US"/>
-          </a:p>
-        </p:txBody>
-      </p:sp>
-      <p:sp>
-        <p:nvSpPr>
-          <p:cNvPr id="5" name="Footer Placeholder 4"/>
-          <p:cNvSpPr>
-            <a:spLocks noGrp="1"/>
-          </p:cNvSpPr>
-          <p:nvPr>
-            <p:ph type="ftr" sz="quarter" idx="11"/>
-          </p:nvPr>
-        </p:nvSpPr>
-        <p:spPr/>
-        <p:txBody>
-          <a:bodyPr/>
-          <a:lstStyle/>
-          <a:p>
-            <a:r>
-              <a:rPr lang="de-DE" smtClean="0"/>
-              <a:t>© EV3Lessons.com, 2017 Last Update: (2/08/2017)</a:t>
+          <a:bodyPr/>
+          <a:lstStyle/>
+          <a:p>
+            <a:r>
+              <a:rPr lang="de-DE"/>
+              <a:t>© EV3Lessons.com, 2020 Last Update: (12/28/2019)</a:t>
             </a:r>
             <a:endParaRPr lang="en-US"/>
           </a:p>
@@ -4434,10 +4397,9 @@
           <a:lstStyle/>
           <a:p>
             <a:r>
-              <a:rPr lang="en-US" smtClean="0"/>
+              <a:rPr lang="en-US"/>
               <a:t>Click to edit Master title style</a:t>
             </a:r>
-            <a:endParaRPr lang="en-US"/>
           </a:p>
         </p:txBody>
       </p:sp>
@@ -4463,49 +4425,67 @@
           <a:p>
             <a:pPr lvl="0"/>
             <a:r>
-              <a:rPr lang="en-US" smtClean="0"/>
+              <a:rPr lang="en-US"/>
               <a:t>Click to edit Master text styles</a:t>
             </a:r>
           </a:p>
           <a:p>
             <a:pPr lvl="1"/>
             <a:r>
-              <a:rPr lang="en-US" smtClean="0"/>
+              <a:rPr lang="en-US"/>
               <a:t>Second level</a:t>
             </a:r>
           </a:p>
           <a:p>
             <a:pPr lvl="2"/>
             <a:r>
-              <a:rPr lang="en-US" smtClean="0"/>
+              <a:rPr lang="en-US"/>
               <a:t>Third level</a:t>
             </a:r>
           </a:p>
           <a:p>
             <a:pPr lvl="3"/>
             <a:r>
-              <a:rPr lang="en-US" smtClean="0"/>
+              <a:rPr lang="en-US"/>
               <a:t>Fourth level</a:t>
             </a:r>
           </a:p>
           <a:p>
             <a:pPr lvl="4"/>
             <a:r>
-              <a:rPr lang="en-US" smtClean="0"/>
+              <a:rPr lang="en-US"/>
               <a:t>Fifth level</a:t>
             </a:r>
+          </a:p>
+        </p:txBody>
+      </p:sp>
+      <p:sp>
+        <p:nvSpPr>
+          <p:cNvPr id="4" name="Date Placeholder 3"/>
+          <p:cNvSpPr>
+            <a:spLocks noGrp="1"/>
+          </p:cNvSpPr>
+          <p:nvPr>
+            <p:ph type="dt" sz="half" idx="10"/>
+          </p:nvPr>
+        </p:nvSpPr>
+        <p:spPr/>
+        <p:txBody>
+          <a:bodyPr/>
+          <a:lstStyle/>
+          <a:p>
             <a:endParaRPr lang="en-US"/>
           </a:p>
         </p:txBody>
       </p:sp>
       <p:sp>
         <p:nvSpPr>
-          <p:cNvPr id="4" name="Date Placeholder 3"/>
-          <p:cNvSpPr>
-            <a:spLocks noGrp="1"/>
-          </p:cNvSpPr>
-          <p:nvPr>
-            <p:ph type="dt" sz="half" idx="10"/>
+          <p:cNvPr id="5" name="Footer Placeholder 4"/>
+          <p:cNvSpPr>
+            <a:spLocks noGrp="1"/>
+          </p:cNvSpPr>
+          <p:nvPr>
+            <p:ph type="ftr" sz="quarter" idx="11"/>
           </p:nvPr>
         </p:nvSpPr>
         <p:spPr/>
@@ -4513,28 +4493,9 @@
           <a:bodyPr/>
           <a:lstStyle/>
           <a:p>
-            <a:endParaRPr lang="en-US"/>
-          </a:p>
-        </p:txBody>
-      </p:sp>
-      <p:sp>
-        <p:nvSpPr>
-          <p:cNvPr id="5" name="Footer Placeholder 4"/>
-          <p:cNvSpPr>
-            <a:spLocks noGrp="1"/>
-          </p:cNvSpPr>
-          <p:nvPr>
-            <p:ph type="ftr" sz="quarter" idx="11"/>
-          </p:nvPr>
-        </p:nvSpPr>
-        <p:spPr/>
-        <p:txBody>
-          <a:bodyPr/>
-          <a:lstStyle/>
-          <a:p>
-            <a:r>
-              <a:rPr lang="de-DE" smtClean="0"/>
-              <a:t>© EV3Lessons.com, 2017 Last Update: (2/08/2017)</a:t>
+            <a:r>
+              <a:rPr lang="de-DE"/>
+              <a:t>© EV3Lessons.com, 2020 Last Update: (12/28/2019)</a:t>
             </a:r>
             <a:endParaRPr lang="en-US"/>
           </a:p>
@@ -4627,7 +4588,7 @@
           </a:lstStyle>
           <a:p>
             <a:r>
-              <a:rPr lang="en-US" smtClean="0"/>
+              <a:rPr lang="en-US"/>
               <a:t>Click to edit Master title style</a:t>
             </a:r>
             <a:endParaRPr lang="en-US" dirty="0"/>
@@ -4746,7 +4707,7 @@
           <a:p>
             <a:pPr lvl="0"/>
             <a:r>
-              <a:rPr lang="en-US" smtClean="0"/>
+              <a:rPr lang="en-US"/>
               <a:t>Click to edit Master text styles</a:t>
             </a:r>
           </a:p>
@@ -4799,8 +4760,8 @@
           <a:lstStyle/>
           <a:p>
             <a:r>
-              <a:rPr lang="de-DE" smtClean="0"/>
-              <a:t>© EV3Lessons.com, 2017 Last Update: (2/08/2017)</a:t>
+              <a:rPr lang="de-DE"/>
+              <a:t>© EV3Lessons.com, 2020 Last Update: (12/28/2019)</a:t>
             </a:r>
             <a:endParaRPr lang="en-US"/>
           </a:p>
@@ -4857,10 +4818,9 @@
           <a:lstStyle/>
           <a:p>
             <a:r>
-              <a:rPr lang="en-US" smtClean="0"/>
+              <a:rPr lang="en-US"/>
               <a:t>Click to edit Master title style</a:t>
             </a:r>
-            <a:endParaRPr lang="en-US"/>
           </a:p>
         </p:txBody>
       </p:sp>
@@ -4914,35 +4874,35 @@
           <a:p>
             <a:pPr lvl="0"/>
             <a:r>
-              <a:rPr lang="en-US" smtClean="0"/>
+              <a:rPr lang="en-US"/>
               <a:t>Click to edit Master text styles</a:t>
             </a:r>
           </a:p>
           <a:p>
             <a:pPr lvl="1"/>
             <a:r>
-              <a:rPr lang="en-US" smtClean="0"/>
+              <a:rPr lang="en-US"/>
               <a:t>Second level</a:t>
             </a:r>
           </a:p>
           <a:p>
             <a:pPr lvl="2"/>
             <a:r>
-              <a:rPr lang="en-US" smtClean="0"/>
+              <a:rPr lang="en-US"/>
               <a:t>Third level</a:t>
             </a:r>
           </a:p>
           <a:p>
             <a:pPr lvl="3"/>
             <a:r>
-              <a:rPr lang="en-US" smtClean="0"/>
+              <a:rPr lang="en-US"/>
               <a:t>Fourth level</a:t>
             </a:r>
           </a:p>
           <a:p>
             <a:pPr lvl="4"/>
             <a:r>
-              <a:rPr lang="en-US" smtClean="0"/>
+              <a:rPr lang="en-US"/>
               <a:t>Fifth level</a:t>
             </a:r>
             <a:endParaRPr lang="en-US" dirty="0"/>
@@ -4999,35 +4959,35 @@
           <a:p>
             <a:pPr lvl="0"/>
             <a:r>
-              <a:rPr lang="en-US" smtClean="0"/>
+              <a:rPr lang="en-US"/>
               <a:t>Click to edit Master text styles</a:t>
             </a:r>
           </a:p>
           <a:p>
             <a:pPr lvl="1"/>
             <a:r>
-              <a:rPr lang="en-US" smtClean="0"/>
+              <a:rPr lang="en-US"/>
               <a:t>Second level</a:t>
             </a:r>
           </a:p>
           <a:p>
             <a:pPr lvl="2"/>
             <a:r>
-              <a:rPr lang="en-US" smtClean="0"/>
+              <a:rPr lang="en-US"/>
               <a:t>Third level</a:t>
             </a:r>
           </a:p>
           <a:p>
             <a:pPr lvl="3"/>
             <a:r>
-              <a:rPr lang="en-US" smtClean="0"/>
+              <a:rPr lang="en-US"/>
               <a:t>Fourth level</a:t>
             </a:r>
           </a:p>
           <a:p>
             <a:pPr lvl="4"/>
             <a:r>
-              <a:rPr lang="en-US" smtClean="0"/>
+              <a:rPr lang="en-US"/>
               <a:t>Fifth level</a:t>
             </a:r>
             <a:endParaRPr lang="en-US" dirty="0"/>
@@ -5050,8 +5010,8 @@
           <a:lstStyle/>
           <a:p>
             <a:r>
-              <a:rPr lang="de-DE" smtClean="0"/>
-              <a:t>© EV3Lessons.com, 2017 Last Update: (2/08/2017)</a:t>
+              <a:rPr lang="de-DE"/>
+              <a:t>© EV3Lessons.com, 2020 Last Update: (12/28/2019)</a:t>
             </a:r>
             <a:endParaRPr lang="en-US"/>
           </a:p>
@@ -5098,13 +5058,6 @@
   <p:clrMapOvr>
     <a:masterClrMapping/>
   </p:clrMapOvr>
-  <p:timing>
-    <p:tnLst>
-      <p:par>
-        <p:cTn id="1" dur="indefinite" restart="never" nodeType="tmRoot"/>
-      </p:par>
-    </p:tnLst>
-  </p:timing>
 </p:sldLayout>
 </file>
 
@@ -5145,10 +5098,9 @@
           </a:lstStyle>
           <a:p>
             <a:r>
-              <a:rPr lang="en-US" smtClean="0"/>
+              <a:rPr lang="en-US"/>
               <a:t>Click to edit Master title style</a:t>
             </a:r>
-            <a:endParaRPr lang="en-US"/>
           </a:p>
         </p:txBody>
       </p:sp>
@@ -5218,7 +5170,7 @@
           <a:p>
             <a:pPr lvl="0"/>
             <a:r>
-              <a:rPr lang="en-US" smtClean="0"/>
+              <a:rPr lang="en-US"/>
               <a:t>Click to edit Master text styles</a:t>
             </a:r>
           </a:p>
@@ -5274,35 +5226,35 @@
           <a:p>
             <a:pPr lvl="0"/>
             <a:r>
-              <a:rPr lang="en-US" smtClean="0"/>
+              <a:rPr lang="en-US"/>
               <a:t>Click to edit Master text styles</a:t>
             </a:r>
           </a:p>
           <a:p>
             <a:pPr lvl="1"/>
             <a:r>
-              <a:rPr lang="en-US" smtClean="0"/>
+              <a:rPr lang="en-US"/>
               <a:t>Second level</a:t>
             </a:r>
           </a:p>
           <a:p>
             <a:pPr lvl="2"/>
             <a:r>
-              <a:rPr lang="en-US" smtClean="0"/>
+              <a:rPr lang="en-US"/>
               <a:t>Third level</a:t>
             </a:r>
           </a:p>
           <a:p>
             <a:pPr lvl="3"/>
             <a:r>
-              <a:rPr lang="en-US" smtClean="0"/>
+              <a:rPr lang="en-US"/>
               <a:t>Fourth level</a:t>
             </a:r>
           </a:p>
           <a:p>
             <a:pPr lvl="4"/>
             <a:r>
-              <a:rPr lang="en-US" smtClean="0"/>
+              <a:rPr lang="en-US"/>
               <a:t>Fifth level</a:t>
             </a:r>
             <a:endParaRPr lang="en-US" dirty="0"/>
@@ -5383,7 +5335,7 @@
               <a:buNone/>
             </a:pPr>
             <a:r>
-              <a:rPr lang="en-US" smtClean="0"/>
+              <a:rPr lang="en-US"/>
               <a:t>Click to edit Master text styles</a:t>
             </a:r>
           </a:p>
@@ -5439,35 +5391,35 @@
           <a:p>
             <a:pPr lvl="0"/>
             <a:r>
-              <a:rPr lang="en-US" smtClean="0"/>
+              <a:rPr lang="en-US"/>
               <a:t>Click to edit Master text styles</a:t>
             </a:r>
           </a:p>
           <a:p>
             <a:pPr lvl="1"/>
             <a:r>
-              <a:rPr lang="en-US" smtClean="0"/>
+              <a:rPr lang="en-US"/>
               <a:t>Second level</a:t>
             </a:r>
           </a:p>
           <a:p>
             <a:pPr lvl="2"/>
             <a:r>
-              <a:rPr lang="en-US" smtClean="0"/>
+              <a:rPr lang="en-US"/>
               <a:t>Third level</a:t>
             </a:r>
           </a:p>
           <a:p>
             <a:pPr lvl="3"/>
             <a:r>
-              <a:rPr lang="en-US" smtClean="0"/>
+              <a:rPr lang="en-US"/>
               <a:t>Fourth level</a:t>
             </a:r>
           </a:p>
           <a:p>
             <a:pPr lvl="4"/>
             <a:r>
-              <a:rPr lang="en-US" smtClean="0"/>
+              <a:rPr lang="en-US"/>
               <a:t>Fifth level</a:t>
             </a:r>
             <a:endParaRPr lang="en-US" dirty="0"/>
@@ -5490,8 +5442,8 @@
           <a:lstStyle/>
           <a:p>
             <a:r>
-              <a:rPr lang="de-DE" smtClean="0"/>
-              <a:t>© EV3Lessons.com, 2017 Last Update: (2/08/2017)</a:t>
+              <a:rPr lang="de-DE"/>
+              <a:t>© EV3Lessons.com, 2020 Last Update: (12/28/2019)</a:t>
             </a:r>
             <a:endParaRPr lang="en-US"/>
           </a:p>
@@ -5538,13 +5490,6 @@
   <p:clrMapOvr>
     <a:masterClrMapping/>
   </p:clrMapOvr>
-  <p:timing>
-    <p:tnLst>
-      <p:par>
-        <p:cTn id="1" dur="indefinite" restart="never" nodeType="tmRoot"/>
-      </p:par>
-    </p:tnLst>
-  </p:timing>
 </p:sldLayout>
 </file>
 
@@ -5581,10 +5526,9 @@
           <a:lstStyle/>
           <a:p>
             <a:r>
-              <a:rPr lang="en-US" smtClean="0"/>
+              <a:rPr lang="en-US"/>
               <a:t>Click to edit Master title style</a:t>
             </a:r>
-            <a:endParaRPr lang="en-US"/>
           </a:p>
         </p:txBody>
       </p:sp>
@@ -5604,8 +5548,8 @@
           <a:lstStyle/>
           <a:p>
             <a:r>
-              <a:rPr lang="de-DE" smtClean="0"/>
-              <a:t>© EV3Lessons.com, 2017 Last Update: (2/08/2017)</a:t>
+              <a:rPr lang="de-DE"/>
+              <a:t>© EV3Lessons.com, 2020 Last Update: (12/28/2019)</a:t>
             </a:r>
             <a:endParaRPr lang="en-US"/>
           </a:p>
@@ -5652,13 +5596,6 @@
   <p:clrMapOvr>
     <a:masterClrMapping/>
   </p:clrMapOvr>
-  <p:timing>
-    <p:tnLst>
-      <p:par>
-        <p:cTn id="1" dur="indefinite" restart="never" nodeType="tmRoot"/>
-      </p:par>
-    </p:tnLst>
-  </p:timing>
 </p:sldLayout>
 </file>
 
@@ -5695,8 +5632,8 @@
           <a:lstStyle/>
           <a:p>
             <a:r>
-              <a:rPr lang="de-DE" smtClean="0"/>
-              <a:t>© EV3Lessons.com, 2017 Last Update: (2/08/2017)</a:t>
+              <a:rPr lang="de-DE"/>
+              <a:t>© EV3Lessons.com, 2020 Last Update: (12/28/2019)</a:t>
             </a:r>
             <a:endParaRPr lang="en-US"/>
           </a:p>
@@ -5813,35 +5750,35 @@
           <a:p>
             <a:pPr lvl="0"/>
             <a:r>
-              <a:rPr lang="en-US" smtClean="0"/>
+              <a:rPr lang="en-US"/>
               <a:t>Click to edit Master text styles</a:t>
             </a:r>
           </a:p>
           <a:p>
             <a:pPr lvl="1"/>
             <a:r>
-              <a:rPr lang="en-US" smtClean="0"/>
+              <a:rPr lang="en-US"/>
               <a:t>Second level</a:t>
             </a:r>
           </a:p>
           <a:p>
             <a:pPr lvl="2"/>
             <a:r>
-              <a:rPr lang="en-US" smtClean="0"/>
+              <a:rPr lang="en-US"/>
               <a:t>Third level</a:t>
             </a:r>
           </a:p>
           <a:p>
             <a:pPr lvl="3"/>
             <a:r>
-              <a:rPr lang="en-US" smtClean="0"/>
+              <a:rPr lang="en-US"/>
               <a:t>Fourth level</a:t>
             </a:r>
           </a:p>
           <a:p>
             <a:pPr lvl="4"/>
             <a:r>
-              <a:rPr lang="en-US" smtClean="0"/>
+              <a:rPr lang="en-US"/>
               <a:t>Fifth level</a:t>
             </a:r>
             <a:endParaRPr lang="en-US" dirty="0"/>
@@ -5909,7 +5846,7 @@
           <a:p>
             <a:pPr lvl="0"/>
             <a:r>
-              <a:rPr lang="en-US" smtClean="0"/>
+              <a:rPr lang="en-US"/>
               <a:t>Click to edit Master text styles</a:t>
             </a:r>
           </a:p>
@@ -5931,8 +5868,8 @@
           <a:lstStyle/>
           <a:p>
             <a:r>
-              <a:rPr lang="de-DE" smtClean="0"/>
-              <a:t>© EV3Lessons.com, 2017 Last Update: (2/08/2017)</a:t>
+              <a:rPr lang="de-DE"/>
+              <a:t>© EV3Lessons.com, 2020 Last Update: (12/28/2019)</a:t>
             </a:r>
             <a:endParaRPr lang="en-US"/>
           </a:p>
@@ -5985,10 +5922,9 @@
           <a:lstStyle/>
           <a:p>
             <a:r>
-              <a:rPr lang="en-US" smtClean="0"/>
+              <a:rPr lang="en-US"/>
               <a:t>Click to edit Master title style</a:t>
             </a:r>
-            <a:endParaRPr lang="en-US"/>
           </a:p>
         </p:txBody>
       </p:sp>
@@ -6131,10 +6067,9 @@
           </a:lstStyle>
           <a:p>
             <a:r>
-              <a:rPr lang="en-US" smtClean="0"/>
+              <a:rPr lang="en-US"/>
               <a:t>Drag picture to placeholder or click icon to add</a:t>
             </a:r>
-            <a:endParaRPr lang="en-US"/>
           </a:p>
         </p:txBody>
       </p:sp>
@@ -6197,7 +6132,7 @@
           <a:p>
             <a:pPr lvl="0"/>
             <a:r>
-              <a:rPr lang="en-US" smtClean="0"/>
+              <a:rPr lang="en-US"/>
               <a:t>Click to edit Master text styles</a:t>
             </a:r>
           </a:p>
@@ -6219,8 +6154,8 @@
           <a:lstStyle/>
           <a:p>
             <a:r>
-              <a:rPr lang="de-DE" smtClean="0"/>
-              <a:t>© EV3Lessons.com, 2017 Last Update: (2/08/2017)</a:t>
+              <a:rPr lang="de-DE"/>
+              <a:t>© EV3Lessons.com, 2020 Last Update: (12/28/2019)</a:t>
             </a:r>
             <a:endParaRPr lang="en-US"/>
           </a:p>
@@ -6292,7 +6227,7 @@
           </a:lstStyle>
           <a:p>
             <a:r>
-              <a:rPr lang="en-US" smtClean="0"/>
+              <a:rPr lang="en-US"/>
               <a:t>Click to edit Master title style</a:t>
             </a:r>
             <a:endParaRPr lang="en-US" dirty="0"/>
@@ -6406,7 +6341,7 @@
           <a:lstStyle/>
           <a:p>
             <a:r>
-              <a:rPr lang="en-US" smtClean="0"/>
+              <a:rPr lang="en-US"/>
               <a:t>Click to edit Master title style</a:t>
             </a:r>
             <a:endParaRPr lang="en-US" dirty="0"/>
@@ -6440,35 +6375,35 @@
           <a:p>
             <a:pPr lvl="0"/>
             <a:r>
-              <a:rPr lang="en-US" smtClean="0"/>
+              <a:rPr lang="en-US"/>
               <a:t>Click to edit Master text styles</a:t>
             </a:r>
           </a:p>
           <a:p>
             <a:pPr lvl="1"/>
             <a:r>
-              <a:rPr lang="en-US" smtClean="0"/>
+              <a:rPr lang="en-US"/>
               <a:t>Second level</a:t>
             </a:r>
           </a:p>
           <a:p>
             <a:pPr lvl="2"/>
             <a:r>
-              <a:rPr lang="en-US" smtClean="0"/>
+              <a:rPr lang="en-US"/>
               <a:t>Third level</a:t>
             </a:r>
           </a:p>
           <a:p>
             <a:pPr lvl="3"/>
             <a:r>
-              <a:rPr lang="en-US" smtClean="0"/>
+              <a:rPr lang="en-US"/>
               <a:t>Fourth level</a:t>
             </a:r>
           </a:p>
           <a:p>
             <a:pPr lvl="4"/>
             <a:r>
-              <a:rPr lang="en-US" smtClean="0"/>
+              <a:rPr lang="en-US"/>
               <a:t>Fifth level</a:t>
             </a:r>
             <a:endParaRPr lang="en-US" dirty="0"/>
@@ -6507,8 +6442,8 @@
           </a:lstStyle>
           <a:p>
             <a:r>
-              <a:rPr lang="de-DE" smtClean="0"/>
-              <a:t>© EV3Lessons.com, 2017 Last Update: (2/08/2017)</a:t>
+              <a:rPr lang="de-DE"/>
+              <a:t>© EV3Lessons.com, 2020 Last Update: (12/28/2019)</a:t>
             </a:r>
             <a:endParaRPr lang="en-US"/>
           </a:p>
@@ -7097,14 +7032,7 @@
     <p:sldLayoutId id="2147483736" r:id="rId10"/>
     <p:sldLayoutId id="2147483737" r:id="rId11"/>
   </p:sldLayoutIdLst>
-  <p:timing>
-    <p:tnLst>
-      <p:par>
-        <p:cTn id="1" dur="indefinite" restart="never" nodeType="tmRoot"/>
-      </p:par>
-    </p:tnLst>
-  </p:timing>
-  <p:hf hdr="0" dt="0"/>
+  <p:hf sldNum="0" hdr="0" dt="0"/>
   <p:txStyles>
     <p:titleStyle>
       <a:lvl1pPr algn="l" defTabSz="914400" rtl="0" eaLnBrk="1" latinLnBrk="0" hangingPunct="1">
@@ -7433,10 +7361,9 @@
           <a:lstStyle/>
           <a:p>
             <a:r>
-              <a:rPr lang="en-US" smtClean="0"/>
+              <a:rPr lang="en-US"/>
               <a:t>Click to edit Master title style</a:t>
             </a:r>
-            <a:endParaRPr lang="en-US"/>
           </a:p>
         </p:txBody>
       </p:sp>
@@ -7467,38 +7394,37 @@
           <a:p>
             <a:pPr lvl="0"/>
             <a:r>
-              <a:rPr lang="en-US" smtClean="0"/>
+              <a:rPr lang="en-US"/>
               <a:t>Click to edit Master text styles</a:t>
             </a:r>
           </a:p>
           <a:p>
             <a:pPr lvl="1"/>
             <a:r>
-              <a:rPr lang="en-US" smtClean="0"/>
+              <a:rPr lang="en-US"/>
               <a:t>Second level</a:t>
             </a:r>
           </a:p>
           <a:p>
             <a:pPr lvl="2"/>
             <a:r>
-              <a:rPr lang="en-US" smtClean="0"/>
+              <a:rPr lang="en-US"/>
               <a:t>Third level</a:t>
             </a:r>
           </a:p>
           <a:p>
             <a:pPr lvl="3"/>
             <a:r>
-              <a:rPr lang="en-US" smtClean="0"/>
+              <a:rPr lang="en-US"/>
               <a:t>Fourth level</a:t>
             </a:r>
           </a:p>
           <a:p>
             <a:pPr lvl="4"/>
             <a:r>
-              <a:rPr lang="en-US" smtClean="0"/>
+              <a:rPr lang="en-US"/>
               <a:t>Fifth level</a:t>
             </a:r>
-            <a:endParaRPr lang="en-US"/>
           </a:p>
         </p:txBody>
       </p:sp>
@@ -7573,8 +7499,8 @@
           </a:lstStyle>
           <a:p>
             <a:r>
-              <a:rPr lang="de-DE" smtClean="0"/>
-              <a:t>© EV3Lessons.com, 2017 Last Update: (2/08/2017)</a:t>
+              <a:rPr lang="de-DE"/>
+              <a:t>© EV3Lessons.com, 2020 Last Update: (12/28/2019)</a:t>
             </a:r>
             <a:endParaRPr lang="en-US"/>
           </a:p>
@@ -7642,7 +7568,7 @@
     <p:sldLayoutId id="2147483748" r:id="rId10"/>
     <p:sldLayoutId id="2147483749" r:id="rId11"/>
   </p:sldLayoutIdLst>
-  <p:hf hdr="0" dt="0"/>
+  <p:hf sldNum="0" hdr="0" dt="0"/>
   <p:txStyles>
     <p:titleStyle>
       <a:lvl1pPr algn="l" defTabSz="914400" rtl="0" eaLnBrk="1" latinLnBrk="0" hangingPunct="1">
@@ -7959,10 +7885,9 @@
           <a:lstStyle/>
           <a:p>
             <a:r>
-              <a:rPr lang="en-US" dirty="0" smtClean="0"/>
+              <a:rPr lang="en-US" dirty="0"/>
               <a:t>Good Coding Practices: Using Comments</a:t>
             </a:r>
-            <a:endParaRPr lang="en-US" dirty="0"/>
           </a:p>
         </p:txBody>
       </p:sp>
@@ -7983,10 +7908,9 @@
           <a:p>
             <a:pPr algn="ctr"/>
             <a:r>
-              <a:rPr lang="en-US" dirty="0" smtClean="0"/>
+              <a:rPr lang="en-US" dirty="0"/>
               <a:t>BEGINNER PROGRAMMING LESSON</a:t>
             </a:r>
-            <a:endParaRPr lang="en-US" dirty="0"/>
           </a:p>
         </p:txBody>
       </p:sp>
@@ -8094,13 +8018,8 @@
             </a:pPr>
             <a:r>
               <a:rPr lang="en-US" dirty="0"/>
-              <a:t>Learn </a:t>
-            </a:r>
-            <a:r>
-              <a:rPr lang="en-US" dirty="0" smtClean="0"/>
-              <a:t>why to comment code</a:t>
-            </a:r>
-            <a:endParaRPr lang="en-US" dirty="0"/>
+              <a:t>Learn why to comment code</a:t>
+            </a:r>
           </a:p>
           <a:p>
             <a:pPr marL="457200" indent="-457200">
@@ -8108,10 +8027,9 @@
               <a:buAutoNum type="arabicPeriod"/>
             </a:pPr>
             <a:r>
-              <a:rPr lang="en-US" dirty="0" smtClean="0"/>
+              <a:rPr lang="en-US" dirty="0"/>
               <a:t>Learn the two types of comments available</a:t>
             </a:r>
-            <a:endParaRPr lang="en-US" dirty="0"/>
           </a:p>
           <a:p>
             <a:pPr marL="457200" indent="-457200">
@@ -8120,24 +8038,19 @@
             </a:pPr>
             <a:r>
               <a:rPr lang="en-US" dirty="0"/>
-              <a:t>Learn </a:t>
-            </a:r>
-            <a:r>
-              <a:rPr lang="en-US" dirty="0" smtClean="0"/>
-              <a:t>what makes useful comments</a:t>
-            </a:r>
-            <a:endParaRPr lang="en-US" dirty="0"/>
-          </a:p>
-        </p:txBody>
-      </p:sp>
-      <p:sp>
-        <p:nvSpPr>
-          <p:cNvPr id="6" name="Slide Number Placeholder 5"/>
-          <p:cNvSpPr>
-            <a:spLocks noGrp="1"/>
-          </p:cNvSpPr>
-          <p:nvPr>
-            <p:ph type="sldNum" sz="quarter" idx="12"/>
+              <a:t>Learn what makes useful comments</a:t>
+            </a:r>
+          </a:p>
+        </p:txBody>
+      </p:sp>
+      <p:sp>
+        <p:nvSpPr>
+          <p:cNvPr id="7" name="Footer Placeholder 6"/>
+          <p:cNvSpPr>
+            <a:spLocks noGrp="1"/>
+          </p:cNvSpPr>
+          <p:nvPr>
+            <p:ph type="ftr" sz="quarter" idx="11"/>
           </p:nvPr>
         </p:nvSpPr>
         <p:spPr/>
@@ -8145,32 +8058,9 @@
           <a:bodyPr/>
           <a:lstStyle/>
           <a:p>
-            <a:fld id="{4DBC7FC8-25FB-FC45-8177-2B991DA6778C}" type="slidenum">
-              <a:rPr lang="en-US" smtClean="0"/>
-              <a:t>2</a:t>
-            </a:fld>
-            <a:endParaRPr lang="en-US" dirty="0"/>
-          </a:p>
-        </p:txBody>
-      </p:sp>
-      <p:sp>
-        <p:nvSpPr>
-          <p:cNvPr id="7" name="Footer Placeholder 6"/>
-          <p:cNvSpPr>
-            <a:spLocks noGrp="1"/>
-          </p:cNvSpPr>
-          <p:nvPr>
-            <p:ph type="ftr" sz="quarter" idx="11"/>
-          </p:nvPr>
-        </p:nvSpPr>
-        <p:spPr/>
-        <p:txBody>
-          <a:bodyPr/>
-          <a:lstStyle/>
-          <a:p>
-            <a:r>
-              <a:rPr lang="de-DE" smtClean="0"/>
-              <a:t>© EV3Lessons.com, 2017 Last Update: (2/08/2017)</a:t>
+            <a:r>
+              <a:rPr lang="de-DE"/>
+              <a:t>© EV3Lessons.com, 2020 Last Update: (12/28/2019)</a:t>
             </a:r>
             <a:endParaRPr lang="en-US" dirty="0"/>
           </a:p>
@@ -8222,10 +8112,9 @@
           <a:lstStyle/>
           <a:p>
             <a:r>
-              <a:rPr lang="en-US" dirty="0" smtClean="0"/>
+              <a:rPr lang="en-US" dirty="0"/>
               <a:t>Why bother with comments?</a:t>
             </a:r>
-            <a:endParaRPr lang="en-US" dirty="0"/>
           </a:p>
         </p:txBody>
       </p:sp>
@@ -8250,11 +8139,7 @@
             </a:pPr>
             <a:r>
               <a:rPr lang="en-US" dirty="0"/>
-              <a:t>Comments in code help the author of the code remember what they were trying to accomplish. </a:t>
-            </a:r>
-            <a:r>
-              <a:rPr lang="en-US" dirty="0" smtClean="0"/>
-              <a:t>You can use them to record the goals or pseudocode for the code.</a:t>
+              <a:t>Comments in code help the author of the code remember what they were trying to accomplish. You can use them to record the goals or pseudocode for the code.</a:t>
             </a:r>
           </a:p>
           <a:p>
@@ -8263,16 +8148,8 @@
               <a:buChar char="•"/>
             </a:pPr>
             <a:r>
-              <a:rPr lang="en-US" dirty="0" smtClean="0"/>
-              <a:t>It </a:t>
-            </a:r>
-            <a:r>
               <a:rPr lang="en-US" dirty="0"/>
-              <a:t>makes it easier to debug. </a:t>
-            </a:r>
-            <a:r>
-              <a:rPr lang="en-US" dirty="0" smtClean="0"/>
-              <a:t>You could use it to take notes on values</a:t>
+              <a:t>It makes it easier to debug. You could use it to take notes on values</a:t>
             </a:r>
           </a:p>
           <a:p>
@@ -8281,14 +8158,9 @@
               <a:buChar char="•"/>
             </a:pPr>
             <a:r>
-              <a:rPr lang="en-US" dirty="0" smtClean="0"/>
-              <a:t>More </a:t>
-            </a:r>
-            <a:r>
               <a:rPr lang="en-US" dirty="0"/>
-              <a:t>importantly, comments allow someone other than the author of the code to understand the program. </a:t>
-            </a:r>
-            <a:endParaRPr lang="en-US" dirty="0" smtClean="0"/>
+              <a:t>More importantly, comments allow someone other than the author of the code to understand the program. </a:t>
+            </a:r>
           </a:p>
           <a:p>
             <a:pPr marL="342900" indent="-342900">
@@ -8296,21 +8168,20 @@
               <a:buChar char="•"/>
             </a:pPr>
             <a:r>
-              <a:rPr lang="en-US" dirty="0" smtClean="0"/>
+              <a:rPr lang="en-US" dirty="0"/>
               <a:t>Get into the habit of adding comments to your code</a:t>
             </a:r>
-            <a:endParaRPr lang="en-US" dirty="0"/>
-          </a:p>
-        </p:txBody>
-      </p:sp>
-      <p:sp>
-        <p:nvSpPr>
-          <p:cNvPr id="6" name="Slide Number Placeholder 5"/>
-          <p:cNvSpPr>
-            <a:spLocks noGrp="1"/>
-          </p:cNvSpPr>
-          <p:nvPr>
-            <p:ph type="sldNum" sz="quarter" idx="12"/>
+          </a:p>
+        </p:txBody>
+      </p:sp>
+      <p:sp>
+        <p:nvSpPr>
+          <p:cNvPr id="7" name="Footer Placeholder 6"/>
+          <p:cNvSpPr>
+            <a:spLocks noGrp="1"/>
+          </p:cNvSpPr>
+          <p:nvPr>
+            <p:ph type="ftr" sz="quarter" idx="11"/>
           </p:nvPr>
         </p:nvSpPr>
         <p:spPr/>
@@ -8318,32 +8189,9 @@
           <a:bodyPr/>
           <a:lstStyle/>
           <a:p>
-            <a:fld id="{4DBC7FC8-25FB-FC45-8177-2B991DA6778C}" type="slidenum">
-              <a:rPr lang="en-US" smtClean="0"/>
-              <a:t>3</a:t>
-            </a:fld>
-            <a:endParaRPr lang="en-US" dirty="0"/>
-          </a:p>
-        </p:txBody>
-      </p:sp>
-      <p:sp>
-        <p:nvSpPr>
-          <p:cNvPr id="7" name="Footer Placeholder 6"/>
-          <p:cNvSpPr>
-            <a:spLocks noGrp="1"/>
-          </p:cNvSpPr>
-          <p:nvPr>
-            <p:ph type="ftr" sz="quarter" idx="11"/>
-          </p:nvPr>
-        </p:nvSpPr>
-        <p:spPr/>
-        <p:txBody>
-          <a:bodyPr/>
-          <a:lstStyle/>
-          <a:p>
-            <a:r>
-              <a:rPr lang="de-DE" smtClean="0"/>
-              <a:t>© EV3Lessons.com, 2017 Last Update: (2/08/2017)</a:t>
+            <a:r>
+              <a:rPr lang="de-DE"/>
+              <a:t>© EV3Lessons.com, 2020 Last Update: (12/28/2019)</a:t>
             </a:r>
             <a:endParaRPr lang="en-US" dirty="0"/>
           </a:p>
@@ -8395,17 +8243,16 @@
           <a:lstStyle/>
           <a:p>
             <a:r>
-              <a:rPr lang="en-US" dirty="0" smtClean="0"/>
+              <a:rPr lang="en-US" dirty="0"/>
               <a:t>Types of Comments: </a:t>
             </a:r>
             <a:br>
-              <a:rPr lang="en-US" dirty="0" smtClean="0"/>
+              <a:rPr lang="en-US" dirty="0"/>
             </a:br>
             <a:r>
-              <a:rPr lang="en-US" dirty="0" smtClean="0"/>
+              <a:rPr lang="en-US" dirty="0"/>
               <a:t>Text Boxes</a:t>
             </a:r>
-            <a:endParaRPr lang="en-US" dirty="0"/>
           </a:p>
         </p:txBody>
       </p:sp>
@@ -8433,27 +8280,17 @@
               <a:rPr lang="en-US" dirty="0"/>
               <a:t>The EV3 allows you to add grey text boxes of any size. </a:t>
             </a:r>
-            <a:endParaRPr lang="en-US" dirty="0" smtClean="0"/>
-          </a:p>
-          <a:p>
-            <a:r>
-              <a:rPr lang="en-US" dirty="0" smtClean="0"/>
-              <a:t>They </a:t>
-            </a:r>
+          </a:p>
+          <a:p>
             <a:r>
               <a:rPr lang="en-US" dirty="0"/>
-              <a:t>are found at the top right corner of your screen. </a:t>
-            </a:r>
-            <a:endParaRPr lang="en-US" dirty="0" smtClean="0"/>
-          </a:p>
-          <a:p>
-            <a:r>
-              <a:rPr lang="en-US" dirty="0" smtClean="0"/>
-              <a:t>They </a:t>
-            </a:r>
+              <a:t>They are found at the top right corner of your screen. </a:t>
+            </a:r>
+          </a:p>
+          <a:p>
             <a:r>
               <a:rPr lang="en-US" dirty="0"/>
-              <a:t>can be used for lots of text, but will have to be manually moved with the corresponding code blocks if you add or delete code.</a:t>
+              <a:t>They can be used for lots of text, but will have to be manually moved with the corresponding code blocks if you add or delete code.</a:t>
             </a:r>
           </a:p>
         </p:txBody>
@@ -8605,12 +8442,12 @@
       </p:sp>
       <p:sp>
         <p:nvSpPr>
-          <p:cNvPr id="10" name="Slide Number Placeholder 9"/>
-          <p:cNvSpPr>
-            <a:spLocks noGrp="1"/>
-          </p:cNvSpPr>
-          <p:nvPr>
-            <p:ph type="sldNum" sz="quarter" idx="12"/>
+          <p:cNvPr id="11" name="Footer Placeholder 10"/>
+          <p:cNvSpPr>
+            <a:spLocks noGrp="1"/>
+          </p:cNvSpPr>
+          <p:nvPr>
+            <p:ph type="ftr" sz="quarter" idx="11"/>
           </p:nvPr>
         </p:nvSpPr>
         <p:spPr/>
@@ -8618,32 +8455,9 @@
           <a:bodyPr/>
           <a:lstStyle/>
           <a:p>
-            <a:fld id="{4DBC7FC8-25FB-FC45-8177-2B991DA6778C}" type="slidenum">
-              <a:rPr lang="en-US" smtClean="0"/>
-              <a:t>4</a:t>
-            </a:fld>
-            <a:endParaRPr lang="en-US" dirty="0"/>
-          </a:p>
-        </p:txBody>
-      </p:sp>
-      <p:sp>
-        <p:nvSpPr>
-          <p:cNvPr id="11" name="Footer Placeholder 10"/>
-          <p:cNvSpPr>
-            <a:spLocks noGrp="1"/>
-          </p:cNvSpPr>
-          <p:nvPr>
-            <p:ph type="ftr" sz="quarter" idx="11"/>
-          </p:nvPr>
-        </p:nvSpPr>
-        <p:spPr/>
-        <p:txBody>
-          <a:bodyPr/>
-          <a:lstStyle/>
-          <a:p>
-            <a:r>
-              <a:rPr lang="de-DE" smtClean="0"/>
-              <a:t>© EV3Lessons.com, 2017 Last Update: (2/08/2017)</a:t>
+            <a:r>
+              <a:rPr lang="de-DE"/>
+              <a:t>© EV3Lessons.com, 2020 Last Update: (12/28/2019)</a:t>
             </a:r>
             <a:endParaRPr lang="en-US" dirty="0"/>
           </a:p>
@@ -8709,10 +8523,9 @@
               <a:rPr lang="en-US" dirty="0"/>
             </a:br>
             <a:r>
-              <a:rPr lang="en-US" dirty="0" smtClean="0"/>
+              <a:rPr lang="en-US" dirty="0"/>
               <a:t>Comment blocks</a:t>
             </a:r>
-            <a:endParaRPr lang="en-US" dirty="0"/>
           </a:p>
         </p:txBody>
       </p:sp>
@@ -8934,31 +8747,14 @@
           </a:lstStyle>
           <a:p>
             <a:r>
-              <a:rPr lang="en-US" dirty="0" smtClean="0"/>
-              <a:t>The Comment Block </a:t>
-            </a:r>
-            <a:r>
               <a:rPr lang="en-US" dirty="0"/>
-              <a:t>can be found in the Blue </a:t>
-            </a:r>
-            <a:r>
-              <a:rPr lang="en-US" dirty="0" smtClean="0"/>
-              <a:t>Programming Pallet Tab</a:t>
-            </a:r>
+              <a:t>The Comment Block can be found in the Blue Programming Pallet Tab. </a:t>
+            </a:r>
+          </a:p>
+          <a:p>
             <a:r>
               <a:rPr lang="en-US" dirty="0"/>
-              <a:t>. </a:t>
-            </a:r>
-            <a:endParaRPr lang="en-US" dirty="0" smtClean="0"/>
-          </a:p>
-          <a:p>
-            <a:r>
-              <a:rPr lang="en-US" dirty="0" smtClean="0"/>
-              <a:t>The </a:t>
-            </a:r>
-            <a:r>
-              <a:rPr lang="en-US" dirty="0"/>
-              <a:t>advantage of using this block is that like any other block, it stays with the code as you modify it. </a:t>
+              <a:t>The advantage of using this block is that like any other block, it stays with the code as you modify it. </a:t>
             </a:r>
           </a:p>
         </p:txBody>
@@ -9086,12 +8882,12 @@
       </p:sp>
       <p:sp>
         <p:nvSpPr>
-          <p:cNvPr id="12" name="Slide Number Placeholder 11"/>
-          <p:cNvSpPr>
-            <a:spLocks noGrp="1"/>
-          </p:cNvSpPr>
-          <p:nvPr>
-            <p:ph type="sldNum" sz="quarter" idx="12"/>
+          <p:cNvPr id="13" name="Footer Placeholder 12"/>
+          <p:cNvSpPr>
+            <a:spLocks noGrp="1"/>
+          </p:cNvSpPr>
+          <p:nvPr>
+            <p:ph type="ftr" sz="quarter" idx="11"/>
           </p:nvPr>
         </p:nvSpPr>
         <p:spPr/>
@@ -9099,32 +8895,9 @@
           <a:bodyPr/>
           <a:lstStyle/>
           <a:p>
-            <a:fld id="{4DBC7FC8-25FB-FC45-8177-2B991DA6778C}" type="slidenum">
-              <a:rPr lang="en-US" smtClean="0"/>
-              <a:t>5</a:t>
-            </a:fld>
-            <a:endParaRPr lang="en-US" dirty="0"/>
-          </a:p>
-        </p:txBody>
-      </p:sp>
-      <p:sp>
-        <p:nvSpPr>
-          <p:cNvPr id="13" name="Footer Placeholder 12"/>
-          <p:cNvSpPr>
-            <a:spLocks noGrp="1"/>
-          </p:cNvSpPr>
-          <p:nvPr>
-            <p:ph type="ftr" sz="quarter" idx="11"/>
-          </p:nvPr>
-        </p:nvSpPr>
-        <p:spPr/>
-        <p:txBody>
-          <a:bodyPr/>
-          <a:lstStyle/>
-          <a:p>
-            <a:r>
-              <a:rPr lang="de-DE" smtClean="0"/>
-              <a:t>© EV3Lessons.com, 2017 Last Update: (2/08/2017)</a:t>
+            <a:r>
+              <a:rPr lang="de-DE"/>
+              <a:t>© EV3Lessons.com, 2020 Last Update: (12/28/2019)</a:t>
             </a:r>
             <a:endParaRPr lang="en-US" dirty="0"/>
           </a:p>
@@ -9183,10 +8956,9 @@
           <a:lstStyle/>
           <a:p>
             <a:r>
-              <a:rPr lang="en-US" dirty="0" smtClean="0"/>
+              <a:rPr lang="en-US" dirty="0"/>
               <a:t>USEFUL &amp; NOT USEFUL Comments</a:t>
             </a:r>
-            <a:endParaRPr lang="en-US" dirty="0"/>
           </a:p>
         </p:txBody>
       </p:sp>
@@ -9380,31 +9152,26 @@
               <a:rPr lang="en-US" dirty="0"/>
               <a:t>+ Telling the reader what the robot is doing at this point in the code (hitting the lever with motor A, turning to the right and going towards the Mission X) </a:t>
             </a:r>
-            <a:endParaRPr lang="en-US" dirty="0" smtClean="0"/>
           </a:p>
           <a:p>
             <a:endParaRPr lang="en-US" dirty="0"/>
           </a:p>
           <a:p>
             <a:r>
-              <a:rPr lang="en-US" dirty="0" smtClean="0"/>
-              <a:t>- </a:t>
-            </a:r>
-            <a:r>
               <a:rPr lang="en-US" dirty="0"/>
-              <a:t>Repeating the contents of a block of code (e.g. Move straight 1040 degrees). </a:t>
-            </a:r>
-          </a:p>
-        </p:txBody>
-      </p:sp>
-      <p:sp>
-        <p:nvSpPr>
-          <p:cNvPr id="5" name="Slide Number Placeholder 4"/>
-          <p:cNvSpPr>
-            <a:spLocks noGrp="1"/>
-          </p:cNvSpPr>
-          <p:nvPr>
-            <p:ph type="sldNum" sz="quarter" idx="12"/>
+              <a:t>- Repeating the contents of a block of code (e.g. Move straight 1040 degrees). </a:t>
+            </a:r>
+          </a:p>
+        </p:txBody>
+      </p:sp>
+      <p:sp>
+        <p:nvSpPr>
+          <p:cNvPr id="9" name="Footer Placeholder 8"/>
+          <p:cNvSpPr>
+            <a:spLocks noGrp="1"/>
+          </p:cNvSpPr>
+          <p:nvPr>
+            <p:ph type="ftr" sz="quarter" idx="11"/>
           </p:nvPr>
         </p:nvSpPr>
         <p:spPr/>
@@ -9412,32 +9179,9 @@
           <a:bodyPr/>
           <a:lstStyle/>
           <a:p>
-            <a:fld id="{4DBC7FC8-25FB-FC45-8177-2B991DA6778C}" type="slidenum">
-              <a:rPr lang="en-US" smtClean="0"/>
-              <a:t>6</a:t>
-            </a:fld>
-            <a:endParaRPr lang="en-US" dirty="0"/>
-          </a:p>
-        </p:txBody>
-      </p:sp>
-      <p:sp>
-        <p:nvSpPr>
-          <p:cNvPr id="9" name="Footer Placeholder 8"/>
-          <p:cNvSpPr>
-            <a:spLocks noGrp="1"/>
-          </p:cNvSpPr>
-          <p:nvPr>
-            <p:ph type="ftr" sz="quarter" idx="11"/>
-          </p:nvPr>
-        </p:nvSpPr>
-        <p:spPr/>
-        <p:txBody>
-          <a:bodyPr/>
-          <a:lstStyle/>
-          <a:p>
-            <a:r>
-              <a:rPr lang="de-DE" smtClean="0"/>
-              <a:t>© EV3Lessons.com, 2017 Last Update: (2/08/2017)</a:t>
+            <a:r>
+              <a:rPr lang="de-DE"/>
+              <a:t>© EV3Lessons.com, 2020 Last Update: (12/28/2019)</a:t>
             </a:r>
             <a:endParaRPr lang="en-US" dirty="0"/>
           </a:p>
@@ -9475,6 +9219,288 @@
       </p:grpSpPr>
       <p:sp>
         <p:nvSpPr>
+          <p:cNvPr id="2" name="Title 1">
+            <a:extLst>
+              <a:ext uri="{FF2B5EF4-FFF2-40B4-BE49-F238E27FC236}">
+                <a16:creationId xmlns:a16="http://schemas.microsoft.com/office/drawing/2014/main" id="{9722AC2E-7312-1040-9A7E-4CD5B2B0716C}"/>
+              </a:ext>
+            </a:extLst>
+          </p:cNvPr>
+          <p:cNvSpPr>
+            <a:spLocks noGrp="1"/>
+          </p:cNvSpPr>
+          <p:nvPr>
+            <p:ph type="title"/>
+          </p:nvPr>
+        </p:nvSpPr>
+        <p:spPr/>
+        <p:txBody>
+          <a:bodyPr/>
+          <a:lstStyle/>
+          <a:p>
+            <a:r>
+              <a:rPr lang="en-US" dirty="0"/>
+              <a:t>TIPS FOR COMMENTING CODE</a:t>
+            </a:r>
+          </a:p>
+        </p:txBody>
+      </p:sp>
+      <p:sp>
+        <p:nvSpPr>
+          <p:cNvPr id="3" name="Content Placeholder 2">
+            <a:extLst>
+              <a:ext uri="{FF2B5EF4-FFF2-40B4-BE49-F238E27FC236}">
+                <a16:creationId xmlns:a16="http://schemas.microsoft.com/office/drawing/2014/main" id="{ED2211BC-1B6B-034F-A570-126770DB8807}"/>
+              </a:ext>
+            </a:extLst>
+          </p:cNvPr>
+          <p:cNvSpPr>
+            <a:spLocks noGrp="1"/>
+          </p:cNvSpPr>
+          <p:nvPr>
+            <p:ph idx="1"/>
+          </p:nvPr>
+        </p:nvSpPr>
+        <p:spPr/>
+        <p:txBody>
+          <a:bodyPr/>
+          <a:lstStyle/>
+          <a:p>
+            <a:pPr marL="342900" indent="-342900">
+              <a:buFont typeface="Arial" panose="020B0604020202020204" pitchFamily="34" charset="0"/>
+              <a:buChar char="•"/>
+            </a:pPr>
+            <a:r>
+              <a:rPr lang="en-US" b="0" dirty="0"/>
+              <a:t>Commenting your code is very important. </a:t>
+            </a:r>
+          </a:p>
+          <a:p>
+            <a:pPr marL="342900" indent="-342900">
+              <a:buFont typeface="Arial" panose="020B0604020202020204" pitchFamily="34" charset="0"/>
+              <a:buChar char="•"/>
+            </a:pPr>
+            <a:r>
+              <a:rPr lang="en-US" b="0" dirty="0"/>
+              <a:t>However, note that the blue comment blocks (even if used in a parallel beam) can change the timing of programs. </a:t>
+            </a:r>
+          </a:p>
+          <a:p>
+            <a:pPr marL="342900" indent="-342900">
+              <a:buFont typeface="Arial" panose="020B0604020202020204" pitchFamily="34" charset="0"/>
+              <a:buChar char="•"/>
+            </a:pPr>
+            <a:r>
+              <a:rPr lang="en-US" b="0" dirty="0"/>
+              <a:t>Therefore, if your team uses a lot of comments, try to use the grey text boxes instead.</a:t>
+            </a:r>
+            <a:endParaRPr lang="en-US" dirty="0"/>
+          </a:p>
+        </p:txBody>
+      </p:sp>
+      <p:sp>
+        <p:nvSpPr>
+          <p:cNvPr id="4" name="Footer Placeholder 3">
+            <a:extLst>
+              <a:ext uri="{FF2B5EF4-FFF2-40B4-BE49-F238E27FC236}">
+                <a16:creationId xmlns:a16="http://schemas.microsoft.com/office/drawing/2014/main" id="{03C19188-B79F-0441-BA0B-F04AB83B15D1}"/>
+              </a:ext>
+            </a:extLst>
+          </p:cNvPr>
+          <p:cNvSpPr>
+            <a:spLocks noGrp="1"/>
+          </p:cNvSpPr>
+          <p:nvPr>
+            <p:ph type="ftr" sz="quarter" idx="11"/>
+          </p:nvPr>
+        </p:nvSpPr>
+        <p:spPr/>
+        <p:txBody>
+          <a:bodyPr/>
+          <a:lstStyle/>
+          <a:p>
+            <a:r>
+              <a:rPr lang="de-DE"/>
+              <a:t>© EV3Lessons.com, 2020 Last Update: (12/28/2019)</a:t>
+            </a:r>
+            <a:endParaRPr lang="en-US" dirty="0"/>
+          </a:p>
+        </p:txBody>
+      </p:sp>
+      <p:pic>
+        <p:nvPicPr>
+          <p:cNvPr id="6" name="Picture 5">
+            <a:extLst>
+              <a:ext uri="{FF2B5EF4-FFF2-40B4-BE49-F238E27FC236}">
+                <a16:creationId xmlns:a16="http://schemas.microsoft.com/office/drawing/2014/main" id="{6DA8FCF7-4C44-1145-A70F-119C285BC414}"/>
+              </a:ext>
+            </a:extLst>
+          </p:cNvPr>
+          <p:cNvPicPr>
+            <a:picLocks noChangeAspect="1"/>
+          </p:cNvPicPr>
+          <p:nvPr/>
+        </p:nvPicPr>
+        <p:blipFill rotWithShape="1">
+          <a:blip r:embed="rId2">
+            <a:extLst>
+              <a:ext uri="{28A0092B-C50C-407E-A947-70E740481C1C}">
+                <a14:useLocalDpi xmlns:a14="http://schemas.microsoft.com/office/drawing/2010/main" val="0"/>
+              </a:ext>
+            </a:extLst>
+          </a:blip>
+          <a:srcRect l="86122" t="28075" r="3514" b="9449"/>
+          <a:stretch/>
+        </p:blipFill>
+        <p:spPr>
+          <a:xfrm>
+            <a:off x="2544212" y="3773041"/>
+            <a:ext cx="1463566" cy="1507909"/>
+          </a:xfrm>
+          <a:prstGeom prst="rect">
+            <a:avLst/>
+          </a:prstGeom>
+        </p:spPr>
+      </p:pic>
+      <p:pic>
+        <p:nvPicPr>
+          <p:cNvPr id="8" name="Picture 7">
+            <a:extLst>
+              <a:ext uri="{FF2B5EF4-FFF2-40B4-BE49-F238E27FC236}">
+                <a16:creationId xmlns:a16="http://schemas.microsoft.com/office/drawing/2014/main" id="{BBF3534C-26FF-5F4B-B49C-B2D947C35041}"/>
+              </a:ext>
+            </a:extLst>
+          </p:cNvPr>
+          <p:cNvPicPr>
+            <a:picLocks noChangeAspect="1"/>
+          </p:cNvPicPr>
+          <p:nvPr/>
+        </p:nvPicPr>
+        <p:blipFill rotWithShape="1">
+          <a:blip r:embed="rId3">
+            <a:extLst>
+              <a:ext uri="{28A0092B-C50C-407E-A947-70E740481C1C}">
+                <a14:useLocalDpi xmlns:a14="http://schemas.microsoft.com/office/drawing/2010/main" val="0"/>
+              </a:ext>
+            </a:extLst>
+          </a:blip>
+          <a:srcRect l="26050" t="14867" r="66382" b="27802"/>
+          <a:stretch/>
+        </p:blipFill>
+        <p:spPr>
+          <a:xfrm>
+            <a:off x="5285493" y="3724394"/>
+            <a:ext cx="1463566" cy="1605201"/>
+          </a:xfrm>
+          <a:prstGeom prst="rect">
+            <a:avLst/>
+          </a:prstGeom>
+        </p:spPr>
+      </p:pic>
+      <p:sp>
+        <p:nvSpPr>
+          <p:cNvPr id="13" name="TextBox 12">
+            <a:extLst>
+              <a:ext uri="{FF2B5EF4-FFF2-40B4-BE49-F238E27FC236}">
+                <a16:creationId xmlns:a16="http://schemas.microsoft.com/office/drawing/2014/main" id="{D89DD86E-F2A1-094B-AE01-5D4DC15A4377}"/>
+              </a:ext>
+            </a:extLst>
+          </p:cNvPr>
+          <p:cNvSpPr txBox="1"/>
+          <p:nvPr/>
+        </p:nvSpPr>
+        <p:spPr>
+          <a:xfrm>
+            <a:off x="5285493" y="5461152"/>
+            <a:ext cx="1469325" cy="369332"/>
+          </a:xfrm>
+          <a:prstGeom prst="rect">
+            <a:avLst/>
+          </a:prstGeom>
+          <a:noFill/>
+        </p:spPr>
+        <p:txBody>
+          <a:bodyPr wrap="square" rtlCol="0">
+            <a:spAutoFit/>
+          </a:bodyPr>
+          <a:lstStyle/>
+          <a:p>
+            <a:pPr algn="ctr"/>
+            <a:r>
+              <a:rPr lang="en-US" dirty="0"/>
+              <a:t>Text Box</a:t>
+            </a:r>
+          </a:p>
+        </p:txBody>
+      </p:sp>
+      <p:sp>
+        <p:nvSpPr>
+          <p:cNvPr id="14" name="TextBox 13">
+            <a:extLst>
+              <a:ext uri="{FF2B5EF4-FFF2-40B4-BE49-F238E27FC236}">
+                <a16:creationId xmlns:a16="http://schemas.microsoft.com/office/drawing/2014/main" id="{DBAAB7A3-F3F6-A248-A968-46397713E10F}"/>
+              </a:ext>
+            </a:extLst>
+          </p:cNvPr>
+          <p:cNvSpPr txBox="1"/>
+          <p:nvPr/>
+        </p:nvSpPr>
+        <p:spPr>
+          <a:xfrm>
+            <a:off x="2528340" y="5479832"/>
+            <a:ext cx="1469325" cy="646331"/>
+          </a:xfrm>
+          <a:prstGeom prst="rect">
+            <a:avLst/>
+          </a:prstGeom>
+          <a:noFill/>
+        </p:spPr>
+        <p:txBody>
+          <a:bodyPr wrap="square" rtlCol="0">
+            <a:spAutoFit/>
+          </a:bodyPr>
+          <a:lstStyle/>
+          <a:p>
+            <a:pPr algn="ctr"/>
+            <a:r>
+              <a:rPr lang="en-US" dirty="0"/>
+              <a:t>Comment Block</a:t>
+            </a:r>
+          </a:p>
+        </p:txBody>
+      </p:sp>
+    </p:spTree>
+    <p:extLst>
+      <p:ext uri="{BB962C8B-B14F-4D97-AF65-F5344CB8AC3E}">
+        <p14:creationId xmlns:p14="http://schemas.microsoft.com/office/powerpoint/2010/main" val="2681649092"/>
+      </p:ext>
+    </p:extLst>
+  </p:cSld>
+  <p:clrMapOvr>
+    <a:masterClrMapping/>
+  </p:clrMapOvr>
+</p:sld>
+</file>
+
+<file path=ppt/slides/slide8.xml><?xml version="1.0" encoding="utf-8"?>
+<p:sld xmlns:a="http://schemas.openxmlformats.org/drawingml/2006/main" xmlns:r="http://schemas.openxmlformats.org/officeDocument/2006/relationships" xmlns:p="http://schemas.openxmlformats.org/presentationml/2006/main">
+  <p:cSld>
+    <p:spTree>
+      <p:nvGrpSpPr>
+        <p:cNvPr id="1" name=""/>
+        <p:cNvGrpSpPr/>
+        <p:nvPr/>
+      </p:nvGrpSpPr>
+      <p:grpSpPr>
+        <a:xfrm>
+          <a:off x="0" y="0"/>
+          <a:ext cx="0" cy="0"/>
+          <a:chOff x="0" y="0"/>
+          <a:chExt cx="0" cy="0"/>
+        </a:xfrm>
+      </p:grpSpPr>
+      <p:sp>
+        <p:nvSpPr>
           <p:cNvPr id="2" name="Title 1"/>
           <p:cNvSpPr>
             <a:spLocks noGrp="1"/>
@@ -9538,7 +9564,6 @@
               <a:rPr lang="en-US" sz="1800" dirty="0"/>
               <a:t> </a:t>
             </a:r>
-            <a:endParaRPr lang="en-US" sz="1800" dirty="0" smtClean="0"/>
           </a:p>
           <a:p>
             <a:pPr marL="342900" indent="-342900">
@@ -9546,20 +9571,8 @@
               <a:buChar char="•"/>
             </a:pPr>
             <a:r>
-              <a:rPr lang="en-US" sz="1800" dirty="0" smtClean="0"/>
-              <a:t>More </a:t>
-            </a:r>
-            <a:r>
               <a:rPr lang="en-US" sz="1800" dirty="0"/>
-              <a:t>lessons are available at </a:t>
-            </a:r>
-            <a:r>
-              <a:rPr lang="en-US" sz="1800" dirty="0" smtClean="0"/>
-              <a:t>www.ev3lessons.com</a:t>
-            </a:r>
-            <a:r>
-              <a:rPr lang="en-US" sz="1800" b="0" dirty="0"/>
-              <a:t/>
+              <a:t>More lessons are available at www.ev3lessons.com</a:t>
             </a:r>
             <a:br>
               <a:rPr lang="en-US" sz="1800" b="0" dirty="0"/>
@@ -9593,7 +9606,7 @@
           <a:effectLst/>
           <a:extLst>
             <a:ext uri="{91240B29-F687-4f45-9708-019B960494DF}">
-              <a14:hiddenLine xmlns:a14="http://schemas.microsoft.com/office/drawing/2010/main" xmlns="" w="9525">
+              <a14:hiddenLine xmlns="" xmlns:a14="http://schemas.microsoft.com/office/drawing/2010/main" w="9525">
                 <a:solidFill>
                   <a:schemeClr val="tx1"/>
                 </a:solidFill>
@@ -9603,7 +9616,7 @@
               </a14:hiddenLine>
             </a:ext>
             <a:ext uri="{AF507438-7753-43e0-B8FC-AC1667EBCBE1}">
-              <a14:hiddenEffects xmlns:a14="http://schemas.microsoft.com/office/drawing/2010/main" xmlns="">
+              <a14:hiddenEffects xmlns="" xmlns:a14="http://schemas.microsoft.com/office/drawing/2010/main">
                 <a:effectLst>
                   <a:outerShdw dist="35921" dir="2700000" algn="ctr" rotWithShape="0">
                     <a:schemeClr val="bg2"/>
@@ -9777,18 +9790,6 @@
                 <a:latin typeface="Helvetica Neue"/>
               </a:rPr>
               <a:t>                         </a:t>
-            </a:r>
-            <a:r>
-              <a:rPr kumimoji="0" lang="en-US" altLang="en-US" sz="1600" b="0" i="0" u="none" strike="noStrike" cap="none" normalizeH="0" baseline="0" dirty="0">
-                <a:ln>
-                  <a:noFill/>
-                </a:ln>
-                <a:solidFill>
-                  <a:schemeClr val="tx1"/>
-                </a:solidFill>
-                <a:effectLst/>
-              </a:rPr>
-              <a:t/>
             </a:r>
             <a:br>
               <a:rPr kumimoji="0" lang="en-US" altLang="en-US" sz="1600" b="0" i="0" u="none" strike="noStrike" cap="none" normalizeH="0" baseline="0" dirty="0">
@@ -9956,7 +9957,7 @@
           <a:noFill/>
           <a:extLst>
             <a:ext uri="{909E8E84-426E-40dd-AFC4-6F175D3DCCD1}">
-              <a14:hiddenFill xmlns:a14="http://schemas.microsoft.com/office/drawing/2010/main" xmlns="">
+              <a14:hiddenFill xmlns="" xmlns:a14="http://schemas.microsoft.com/office/drawing/2010/main">
                 <a:solidFill>
                   <a:srgbClr val="FFFFFF"/>
                 </a:solidFill>
@@ -9967,12 +9968,12 @@
       </p:pic>
       <p:sp>
         <p:nvSpPr>
-          <p:cNvPr id="5" name="Slide Number Placeholder 4"/>
-          <p:cNvSpPr>
-            <a:spLocks noGrp="1"/>
-          </p:cNvSpPr>
-          <p:nvPr>
-            <p:ph type="sldNum" sz="quarter" idx="12"/>
+          <p:cNvPr id="7" name="Footer Placeholder 6"/>
+          <p:cNvSpPr>
+            <a:spLocks noGrp="1"/>
+          </p:cNvSpPr>
+          <p:nvPr>
+            <p:ph type="ftr" sz="quarter" idx="11"/>
           </p:nvPr>
         </p:nvSpPr>
         <p:spPr/>
@@ -9980,32 +9981,9 @@
           <a:bodyPr/>
           <a:lstStyle/>
           <a:p>
-            <a:fld id="{4DBC7FC8-25FB-FC45-8177-2B991DA6778C}" type="slidenum">
-              <a:rPr lang="en-US" smtClean="0"/>
-              <a:t>7</a:t>
-            </a:fld>
-            <a:endParaRPr lang="en-US" dirty="0"/>
-          </a:p>
-        </p:txBody>
-      </p:sp>
-      <p:sp>
-        <p:nvSpPr>
-          <p:cNvPr id="7" name="Footer Placeholder 6"/>
-          <p:cNvSpPr>
-            <a:spLocks noGrp="1"/>
-          </p:cNvSpPr>
-          <p:nvPr>
-            <p:ph type="ftr" sz="quarter" idx="11"/>
-          </p:nvPr>
-        </p:nvSpPr>
-        <p:spPr/>
-        <p:txBody>
-          <a:bodyPr/>
-          <a:lstStyle/>
-          <a:p>
-            <a:r>
-              <a:rPr lang="de-DE" smtClean="0"/>
-              <a:t>© EV3Lessons.com, 2017 Last Update: (2/08/2017)</a:t>
+            <a:r>
+              <a:rPr lang="de-DE"/>
+              <a:t>© EV3Lessons.com, 2020 Last Update: (12/28/2019)</a:t>
             </a:r>
             <a:endParaRPr lang="en-US" dirty="0"/>
           </a:p>
